--- a/docs/diagrams/ArchitectureSequenceDiagram.pptx
+++ b/docs/diagrams/ArchitectureSequenceDiagram.pptx
@@ -104,6 +104,11 @@
       </a:defRPr>
     </a:lvl9pPr>
   </p:defaultTextStyle>
+  <p:extLst>
+    <p:ext uri="{EFAFB233-063F-42B5-8137-9DF3F51BA10A}">
+      <p15:sldGuideLst xmlns:p15="http://schemas.microsoft.com/office/powerpoint/2012/main"/>
+    </p:ext>
+  </p:extLst>
 </p:presentation>
 </file>
 
@@ -3344,10 +3349,10 @@
       </p:grpSpPr>
       <p:grpSp>
         <p:nvGrpSpPr>
-          <p:cNvPr id="1046" name="Group 1045">
-            <a:extLst>
-              <a:ext uri="{FF2B5EF4-FFF2-40B4-BE49-F238E27FC236}">
-                <a16:creationId xmlns:a16="http://schemas.microsoft.com/office/drawing/2014/main" id="{26A9A424-D116-411D-91F6-74A516BB7E5B}"/>
+          <p:cNvPr id="3" name="Group 2">
+            <a:extLst>
+              <a:ext uri="{FF2B5EF4-FFF2-40B4-BE49-F238E27FC236}">
+                <a16:creationId xmlns:a16="http://schemas.microsoft.com/office/drawing/2014/main" id="{4E127F4E-EAD7-400C-A95C-696EC0C724C5}"/>
               </a:ext>
             </a:extLst>
           </p:cNvPr>
@@ -3356,7 +3361,7 @@
         </p:nvGrpSpPr>
         <p:grpSpPr>
           <a:xfrm>
-            <a:off x="116913" y="1229871"/>
+            <a:off x="276304" y="1439596"/>
             <a:ext cx="10867750" cy="4653334"/>
             <a:chOff x="116913" y="1229871"/>
             <a:chExt cx="10867750" cy="4653334"/>
@@ -3401,1455 +3406,1535 @@
             </a:prstGeom>
           </p:spPr>
         </p:pic>
-        <p:grpSp>
-          <p:nvGrpSpPr>
-            <p:cNvPr id="1045" name="Group 1044">
+        <p:cxnSp>
+          <p:nvCxnSpPr>
+            <p:cNvPr id="7" name="Straight Connector 6">
               <a:extLst>
                 <a:ext uri="{FF2B5EF4-FFF2-40B4-BE49-F238E27FC236}">
-                  <a16:creationId xmlns:a16="http://schemas.microsoft.com/office/drawing/2014/main" id="{2FF5FA89-6B4F-41CA-9375-C37C46927F5D}"/>
+                  <a16:creationId xmlns:a16="http://schemas.microsoft.com/office/drawing/2014/main" id="{1DED99D1-1863-4CF5-AB97-DB1773BCBB69}"/>
                 </a:ext>
               </a:extLst>
             </p:cNvPr>
-            <p:cNvGrpSpPr/>
+            <p:cNvCxnSpPr>
+              <a:cxnSpLocks/>
+            </p:cNvCxnSpPr>
             <p:nvPr/>
-          </p:nvGrpSpPr>
-          <p:grpSpPr>
+          </p:nvCxnSpPr>
+          <p:spPr>
             <a:xfrm>
-              <a:off x="512119" y="1650170"/>
-              <a:ext cx="10472544" cy="4233035"/>
-              <a:chOff x="512119" y="1650170"/>
-              <a:chExt cx="10472544" cy="4233035"/>
+              <a:off x="512119" y="2040528"/>
+              <a:ext cx="0" cy="3810071"/>
             </a:xfrm>
-          </p:grpSpPr>
-          <p:cxnSp>
-            <p:nvCxnSpPr>
-              <p:cNvPr id="7" name="Straight Connector 6">
-                <a:extLst>
-                  <a:ext uri="{FF2B5EF4-FFF2-40B4-BE49-F238E27FC236}">
-                    <a16:creationId xmlns:a16="http://schemas.microsoft.com/office/drawing/2014/main" id="{1DED99D1-1863-4CF5-AB97-DB1773BCBB69}"/>
-                  </a:ext>
-                </a:extLst>
-              </p:cNvPr>
-              <p:cNvCxnSpPr>
-                <a:cxnSpLocks/>
-              </p:cNvCxnSpPr>
-              <p:nvPr/>
-            </p:nvCxnSpPr>
-            <p:spPr>
-              <a:xfrm>
-                <a:off x="512119" y="2040528"/>
-                <a:ext cx="0" cy="3810071"/>
-              </a:xfrm>
-              <a:prstGeom prst="line">
-                <a:avLst/>
-              </a:prstGeom>
-              <a:ln w="28575">
-                <a:solidFill>
-                  <a:schemeClr val="tx1"/>
-                </a:solidFill>
-                <a:prstDash val="dash"/>
-              </a:ln>
-            </p:spPr>
-            <p:style>
-              <a:lnRef idx="1">
-                <a:schemeClr val="accent1"/>
-              </a:lnRef>
-              <a:fillRef idx="0">
-                <a:schemeClr val="accent1"/>
-              </a:fillRef>
-              <a:effectRef idx="0">
-                <a:schemeClr val="accent1"/>
-              </a:effectRef>
-              <a:fontRef idx="minor">
+            <a:prstGeom prst="line">
+              <a:avLst/>
+            </a:prstGeom>
+            <a:ln w="28575">
+              <a:solidFill>
                 <a:schemeClr val="tx1"/>
-              </a:fontRef>
-            </p:style>
-          </p:cxnSp>
-          <p:cxnSp>
-            <p:nvCxnSpPr>
-              <p:cNvPr id="9" name="Straight Arrow Connector 8">
-                <a:extLst>
-                  <a:ext uri="{FF2B5EF4-FFF2-40B4-BE49-F238E27FC236}">
-                    <a16:creationId xmlns:a16="http://schemas.microsoft.com/office/drawing/2014/main" id="{CC45D60B-AFFE-4441-B876-963181DD0D71}"/>
-                  </a:ext>
-                </a:extLst>
-              </p:cNvPr>
-              <p:cNvCxnSpPr>
-                <a:cxnSpLocks/>
-              </p:cNvCxnSpPr>
-              <p:nvPr/>
-            </p:nvCxnSpPr>
-            <p:spPr>
-              <a:xfrm>
-                <a:off x="740229" y="2355045"/>
-                <a:ext cx="1821227" cy="9"/>
-              </a:xfrm>
-              <a:prstGeom prst="straightConnector1">
-                <a:avLst/>
-              </a:prstGeom>
-              <a:ln w="28575">
-                <a:solidFill>
-                  <a:schemeClr val="tx1"/>
-                </a:solidFill>
-                <a:tailEnd type="triangle"/>
-              </a:ln>
-            </p:spPr>
-            <p:style>
-              <a:lnRef idx="1">
-                <a:schemeClr val="accent1"/>
-              </a:lnRef>
-              <a:fillRef idx="0">
-                <a:schemeClr val="accent1"/>
-              </a:fillRef>
-              <a:effectRef idx="0">
-                <a:schemeClr val="accent1"/>
-              </a:effectRef>
-              <a:fontRef idx="minor">
+              </a:solidFill>
+              <a:prstDash val="dash"/>
+            </a:ln>
+          </p:spPr>
+          <p:style>
+            <a:lnRef idx="1">
+              <a:schemeClr val="accent1"/>
+            </a:lnRef>
+            <a:fillRef idx="0">
+              <a:schemeClr val="accent1"/>
+            </a:fillRef>
+            <a:effectRef idx="0">
+              <a:schemeClr val="accent1"/>
+            </a:effectRef>
+            <a:fontRef idx="minor">
+              <a:schemeClr val="tx1"/>
+            </a:fontRef>
+          </p:style>
+        </p:cxnSp>
+        <p:cxnSp>
+          <p:nvCxnSpPr>
+            <p:cNvPr id="9" name="Straight Arrow Connector 8">
+              <a:extLst>
+                <a:ext uri="{FF2B5EF4-FFF2-40B4-BE49-F238E27FC236}">
+                  <a16:creationId xmlns:a16="http://schemas.microsoft.com/office/drawing/2014/main" id="{CC45D60B-AFFE-4441-B876-963181DD0D71}"/>
+                </a:ext>
+              </a:extLst>
+            </p:cNvPr>
+            <p:cNvCxnSpPr>
+              <a:cxnSpLocks/>
+            </p:cNvCxnSpPr>
+            <p:nvPr/>
+          </p:nvCxnSpPr>
+          <p:spPr>
+            <a:xfrm>
+              <a:off x="740229" y="2355045"/>
+              <a:ext cx="1821227" cy="9"/>
+            </a:xfrm>
+            <a:prstGeom prst="straightConnector1">
+              <a:avLst/>
+            </a:prstGeom>
+            <a:ln w="28575">
+              <a:solidFill>
                 <a:schemeClr val="tx1"/>
-              </a:fontRef>
-            </p:style>
-          </p:cxnSp>
-          <p:cxnSp>
-            <p:nvCxnSpPr>
-              <p:cNvPr id="12" name="Straight Arrow Connector 11">
-                <a:extLst>
-                  <a:ext uri="{FF2B5EF4-FFF2-40B4-BE49-F238E27FC236}">
-                    <a16:creationId xmlns:a16="http://schemas.microsoft.com/office/drawing/2014/main" id="{7089373A-4B1B-4BCA-9BEC-0C0F8580A596}"/>
-                  </a:ext>
-                </a:extLst>
-              </p:cNvPr>
-              <p:cNvCxnSpPr>
-                <a:cxnSpLocks/>
-              </p:cNvCxnSpPr>
-              <p:nvPr/>
-            </p:nvCxnSpPr>
-            <p:spPr>
-              <a:xfrm flipH="1" flipV="1">
-                <a:off x="638629" y="5568688"/>
-                <a:ext cx="1922827" cy="18"/>
-              </a:xfrm>
-              <a:prstGeom prst="straightConnector1">
-                <a:avLst/>
-              </a:prstGeom>
-              <a:ln w="28575">
-                <a:solidFill>
-                  <a:srgbClr val="00B050"/>
-                </a:solidFill>
-                <a:prstDash val="dash"/>
-                <a:tailEnd type="triangle"/>
-              </a:ln>
-            </p:spPr>
-            <p:style>
-              <a:lnRef idx="1">
-                <a:schemeClr val="accent1"/>
-              </a:lnRef>
-              <a:fillRef idx="0">
-                <a:schemeClr val="accent1"/>
-              </a:fillRef>
-              <a:effectRef idx="0">
-                <a:schemeClr val="accent1"/>
-              </a:effectRef>
-              <a:fontRef idx="minor">
-                <a:schemeClr val="tx1"/>
-              </a:fontRef>
-            </p:style>
-          </p:cxnSp>
-          <p:sp>
-            <p:nvSpPr>
-              <p:cNvPr id="11" name="Rectangle 10">
-                <a:extLst>
-                  <a:ext uri="{FF2B5EF4-FFF2-40B4-BE49-F238E27FC236}">
-                    <a16:creationId xmlns:a16="http://schemas.microsoft.com/office/drawing/2014/main" id="{ACD99455-3698-4906-915E-B51D8A77EF1E}"/>
-                  </a:ext>
-                </a:extLst>
-              </p:cNvPr>
-              <p:cNvSpPr/>
-              <p:nvPr/>
-            </p:nvSpPr>
-            <p:spPr>
-              <a:xfrm>
-                <a:off x="2561456" y="2355045"/>
-                <a:ext cx="129631" cy="3213643"/>
-              </a:xfrm>
-              <a:prstGeom prst="rect">
-                <a:avLst/>
-              </a:prstGeom>
+              </a:solidFill>
+              <a:tailEnd type="triangle"/>
+            </a:ln>
+          </p:spPr>
+          <p:style>
+            <a:lnRef idx="1">
+              <a:schemeClr val="accent1"/>
+            </a:lnRef>
+            <a:fillRef idx="0">
+              <a:schemeClr val="accent1"/>
+            </a:fillRef>
+            <a:effectRef idx="0">
+              <a:schemeClr val="accent1"/>
+            </a:effectRef>
+            <a:fontRef idx="minor">
+              <a:schemeClr val="tx1"/>
+            </a:fontRef>
+          </p:style>
+        </p:cxnSp>
+        <p:cxnSp>
+          <p:nvCxnSpPr>
+            <p:cNvPr id="12" name="Straight Arrow Connector 11">
+              <a:extLst>
+                <a:ext uri="{FF2B5EF4-FFF2-40B4-BE49-F238E27FC236}">
+                  <a16:creationId xmlns:a16="http://schemas.microsoft.com/office/drawing/2014/main" id="{7089373A-4B1B-4BCA-9BEC-0C0F8580A596}"/>
+                </a:ext>
+              </a:extLst>
+            </p:cNvPr>
+            <p:cNvCxnSpPr>
+              <a:cxnSpLocks/>
+            </p:cNvCxnSpPr>
+            <p:nvPr/>
+          </p:nvCxnSpPr>
+          <p:spPr>
+            <a:xfrm flipH="1" flipV="1">
+              <a:off x="638629" y="5568688"/>
+              <a:ext cx="1922827" cy="18"/>
+            </a:xfrm>
+            <a:prstGeom prst="straightConnector1">
+              <a:avLst/>
+            </a:prstGeom>
+            <a:ln w="28575">
               <a:solidFill>
                 <a:srgbClr val="00B050"/>
               </a:solidFill>
-              <a:ln>
-                <a:solidFill>
-                  <a:srgbClr val="00B050"/>
-                </a:solidFill>
-              </a:ln>
-            </p:spPr>
-            <p:style>
-              <a:lnRef idx="2">
-                <a:schemeClr val="accent1">
-                  <a:shade val="50000"/>
-                </a:schemeClr>
-              </a:lnRef>
-              <a:fillRef idx="1">
-                <a:schemeClr val="accent1"/>
-              </a:fillRef>
-              <a:effectRef idx="0">
-                <a:schemeClr val="accent1"/>
-              </a:effectRef>
-              <a:fontRef idx="minor">
-                <a:schemeClr val="lt1"/>
-              </a:fontRef>
-            </p:style>
-            <p:txBody>
-              <a:bodyPr rtlCol="0" anchor="ctr"/>
-              <a:lstStyle/>
-              <a:p>
-                <a:pPr algn="ctr"/>
-                <a:endParaRPr lang="en-SG"/>
-              </a:p>
-            </p:txBody>
-          </p:sp>
-          <p:cxnSp>
-            <p:nvCxnSpPr>
-              <p:cNvPr id="14" name="Straight Connector 13">
-                <a:extLst>
-                  <a:ext uri="{FF2B5EF4-FFF2-40B4-BE49-F238E27FC236}">
-                    <a16:creationId xmlns:a16="http://schemas.microsoft.com/office/drawing/2014/main" id="{B672F58D-2EC0-49F8-B351-FE9B5B5F6836}"/>
-                  </a:ext>
-                </a:extLst>
-              </p:cNvPr>
-              <p:cNvCxnSpPr>
-                <a:cxnSpLocks/>
-              </p:cNvCxnSpPr>
-              <p:nvPr/>
-            </p:nvCxnSpPr>
-            <p:spPr>
-              <a:xfrm>
-                <a:off x="2635776" y="2040528"/>
-                <a:ext cx="0" cy="314517"/>
-              </a:xfrm>
-              <a:prstGeom prst="line">
-                <a:avLst/>
-              </a:prstGeom>
-              <a:ln w="28575">
-                <a:solidFill>
-                  <a:srgbClr val="00B050"/>
-                </a:solidFill>
-                <a:prstDash val="dash"/>
-              </a:ln>
-            </p:spPr>
-            <p:style>
-              <a:lnRef idx="1">
-                <a:schemeClr val="accent1"/>
-              </a:lnRef>
-              <a:fillRef idx="0">
-                <a:schemeClr val="accent1"/>
-              </a:fillRef>
-              <a:effectRef idx="0">
-                <a:schemeClr val="accent1"/>
-              </a:effectRef>
-              <a:fontRef idx="minor">
-                <a:schemeClr val="tx1"/>
-              </a:fontRef>
-            </p:style>
-          </p:cxnSp>
-          <p:cxnSp>
-            <p:nvCxnSpPr>
-              <p:cNvPr id="16" name="Straight Connector 15">
-                <a:extLst>
-                  <a:ext uri="{FF2B5EF4-FFF2-40B4-BE49-F238E27FC236}">
-                    <a16:creationId xmlns:a16="http://schemas.microsoft.com/office/drawing/2014/main" id="{DC775BDF-C14B-4359-AC47-9B8A06A68C44}"/>
-                  </a:ext>
-                </a:extLst>
-              </p:cNvPr>
-              <p:cNvCxnSpPr>
-                <a:cxnSpLocks/>
-              </p:cNvCxnSpPr>
-              <p:nvPr/>
-            </p:nvCxnSpPr>
-            <p:spPr>
-              <a:xfrm>
-                <a:off x="2626271" y="5568688"/>
-                <a:ext cx="0" cy="314517"/>
-              </a:xfrm>
-              <a:prstGeom prst="line">
-                <a:avLst/>
-              </a:prstGeom>
-              <a:ln w="28575">
-                <a:solidFill>
-                  <a:srgbClr val="00B050"/>
-                </a:solidFill>
-                <a:prstDash val="dash"/>
-              </a:ln>
-            </p:spPr>
-            <p:style>
-              <a:lnRef idx="1">
-                <a:schemeClr val="accent1"/>
-              </a:lnRef>
-              <a:fillRef idx="0">
-                <a:schemeClr val="accent1"/>
-              </a:fillRef>
-              <a:effectRef idx="0">
-                <a:schemeClr val="accent1"/>
-              </a:effectRef>
-              <a:fontRef idx="minor">
-                <a:schemeClr val="tx1"/>
-              </a:fontRef>
-            </p:style>
-          </p:cxnSp>
-          <p:sp>
-            <p:nvSpPr>
-              <p:cNvPr id="15" name="Rectangle 14">
-                <a:extLst>
-                  <a:ext uri="{FF2B5EF4-FFF2-40B4-BE49-F238E27FC236}">
-                    <a16:creationId xmlns:a16="http://schemas.microsoft.com/office/drawing/2014/main" id="{07AB599A-4CC1-4F18-B846-A1991143219C}"/>
-                  </a:ext>
-                </a:extLst>
-              </p:cNvPr>
-              <p:cNvSpPr/>
-              <p:nvPr/>
-            </p:nvSpPr>
-            <p:spPr>
-              <a:xfrm>
-                <a:off x="2226055" y="1663413"/>
-                <a:ext cx="819442" cy="314516"/>
-              </a:xfrm>
-              <a:prstGeom prst="rect">
-                <a:avLst/>
-              </a:prstGeom>
+              <a:prstDash val="dash"/>
+              <a:tailEnd type="triangle"/>
+            </a:ln>
+          </p:spPr>
+          <p:style>
+            <a:lnRef idx="1">
+              <a:schemeClr val="accent1"/>
+            </a:lnRef>
+            <a:fillRef idx="0">
+              <a:schemeClr val="accent1"/>
+            </a:fillRef>
+            <a:effectRef idx="0">
+              <a:schemeClr val="accent1"/>
+            </a:effectRef>
+            <a:fontRef idx="minor">
+              <a:schemeClr val="tx1"/>
+            </a:fontRef>
+          </p:style>
+        </p:cxnSp>
+        <p:sp>
+          <p:nvSpPr>
+            <p:cNvPr id="11" name="Rectangle 10">
+              <a:extLst>
+                <a:ext uri="{FF2B5EF4-FFF2-40B4-BE49-F238E27FC236}">
+                  <a16:creationId xmlns:a16="http://schemas.microsoft.com/office/drawing/2014/main" id="{ACD99455-3698-4906-915E-B51D8A77EF1E}"/>
+                </a:ext>
+              </a:extLst>
+            </p:cNvPr>
+            <p:cNvSpPr/>
+            <p:nvPr/>
+          </p:nvSpPr>
+          <p:spPr>
+            <a:xfrm>
+              <a:off x="2561456" y="2355045"/>
+              <a:ext cx="129631" cy="3213643"/>
+            </a:xfrm>
+            <a:prstGeom prst="rect">
+              <a:avLst/>
+            </a:prstGeom>
+            <a:solidFill>
+              <a:srgbClr val="00B050"/>
+            </a:solidFill>
+            <a:ln>
               <a:solidFill>
                 <a:srgbClr val="00B050"/>
               </a:solidFill>
-              <a:ln>
-                <a:solidFill>
-                  <a:srgbClr val="00B050"/>
-                </a:solidFill>
-              </a:ln>
-            </p:spPr>
-            <p:style>
-              <a:lnRef idx="2">
-                <a:schemeClr val="accent1">
-                  <a:shade val="50000"/>
-                </a:schemeClr>
-              </a:lnRef>
-              <a:fillRef idx="1">
-                <a:schemeClr val="accent1"/>
-              </a:fillRef>
-              <a:effectRef idx="0">
-                <a:schemeClr val="accent1"/>
-              </a:effectRef>
-              <a:fontRef idx="minor">
-                <a:schemeClr val="lt1"/>
-              </a:fontRef>
-            </p:style>
-            <p:txBody>
-              <a:bodyPr rtlCol="0" anchor="ctr"/>
-              <a:lstStyle/>
-              <a:p>
-                <a:pPr algn="ctr"/>
-                <a:r>
-                  <a:rPr lang="en-SG" dirty="0"/>
-                  <a:t>:UI</a:t>
-                </a:r>
-              </a:p>
-            </p:txBody>
-          </p:sp>
-          <p:cxnSp>
-            <p:nvCxnSpPr>
-              <p:cNvPr id="18" name="Straight Arrow Connector 17">
-                <a:extLst>
-                  <a:ext uri="{FF2B5EF4-FFF2-40B4-BE49-F238E27FC236}">
-                    <a16:creationId xmlns:a16="http://schemas.microsoft.com/office/drawing/2014/main" id="{29258E37-3401-41D8-886F-5FEE90760F22}"/>
-                  </a:ext>
-                </a:extLst>
-              </p:cNvPr>
-              <p:cNvCxnSpPr>
-                <a:cxnSpLocks/>
-                <a:endCxn id="21" idx="0"/>
-              </p:cNvCxnSpPr>
-              <p:nvPr/>
-            </p:nvCxnSpPr>
-            <p:spPr>
-              <a:xfrm>
-                <a:off x="2687963" y="2499316"/>
-                <a:ext cx="2724421" cy="0"/>
-              </a:xfrm>
-              <a:prstGeom prst="straightConnector1">
-                <a:avLst/>
-              </a:prstGeom>
-              <a:ln w="28575">
-                <a:solidFill>
-                  <a:srgbClr val="00B050"/>
-                </a:solidFill>
-                <a:tailEnd type="triangle"/>
-              </a:ln>
-            </p:spPr>
-            <p:style>
-              <a:lnRef idx="1">
-                <a:schemeClr val="accent1"/>
-              </a:lnRef>
-              <a:fillRef idx="0">
-                <a:schemeClr val="accent1"/>
-              </a:fillRef>
-              <a:effectRef idx="0">
-                <a:schemeClr val="accent1"/>
-              </a:effectRef>
-              <a:fontRef idx="minor">
-                <a:schemeClr val="tx1"/>
-              </a:fontRef>
-            </p:style>
-          </p:cxnSp>
-          <p:cxnSp>
-            <p:nvCxnSpPr>
-              <p:cNvPr id="20" name="Straight Arrow Connector 19">
-                <a:extLst>
-                  <a:ext uri="{FF2B5EF4-FFF2-40B4-BE49-F238E27FC236}">
-                    <a16:creationId xmlns:a16="http://schemas.microsoft.com/office/drawing/2014/main" id="{AA7A9180-6466-42CA-91AB-178BDB1076E7}"/>
-                  </a:ext>
-                </a:extLst>
-              </p:cNvPr>
-              <p:cNvCxnSpPr>
-                <a:cxnSpLocks/>
-                <a:stCxn id="21" idx="2"/>
-              </p:cNvCxnSpPr>
-              <p:nvPr/>
-            </p:nvCxnSpPr>
-            <p:spPr>
-              <a:xfrm flipH="1">
-                <a:off x="2691088" y="5191304"/>
-                <a:ext cx="2721296" cy="0"/>
-              </a:xfrm>
-              <a:prstGeom prst="straightConnector1">
-                <a:avLst/>
-              </a:prstGeom>
-              <a:ln w="28575">
-                <a:solidFill>
-                  <a:srgbClr val="00B0F0"/>
-                </a:solidFill>
-                <a:prstDash val="dash"/>
-                <a:tailEnd type="triangle"/>
-              </a:ln>
-            </p:spPr>
-            <p:style>
-              <a:lnRef idx="1">
-                <a:schemeClr val="accent1"/>
-              </a:lnRef>
-              <a:fillRef idx="0">
-                <a:schemeClr val="accent1"/>
-              </a:fillRef>
-              <a:effectRef idx="0">
-                <a:schemeClr val="accent1"/>
-              </a:effectRef>
-              <a:fontRef idx="minor">
-                <a:schemeClr val="tx1"/>
-              </a:fontRef>
-            </p:style>
-          </p:cxnSp>
-          <p:sp>
-            <p:nvSpPr>
-              <p:cNvPr id="21" name="Rectangle 20">
-                <a:extLst>
-                  <a:ext uri="{FF2B5EF4-FFF2-40B4-BE49-F238E27FC236}">
-                    <a16:creationId xmlns:a16="http://schemas.microsoft.com/office/drawing/2014/main" id="{B330B8F4-9BA6-4E47-8B98-CA0A13E80859}"/>
-                  </a:ext>
-                </a:extLst>
-              </p:cNvPr>
-              <p:cNvSpPr/>
-              <p:nvPr/>
-            </p:nvSpPr>
-            <p:spPr>
-              <a:xfrm>
-                <a:off x="5347569" y="2510554"/>
-                <a:ext cx="129630" cy="2680750"/>
-              </a:xfrm>
-              <a:prstGeom prst="rect">
-                <a:avLst/>
-              </a:prstGeom>
+            </a:ln>
+          </p:spPr>
+          <p:style>
+            <a:lnRef idx="2">
+              <a:schemeClr val="accent1">
+                <a:shade val="50000"/>
+              </a:schemeClr>
+            </a:lnRef>
+            <a:fillRef idx="1">
+              <a:schemeClr val="accent1"/>
+            </a:fillRef>
+            <a:effectRef idx="0">
+              <a:schemeClr val="accent1"/>
+            </a:effectRef>
+            <a:fontRef idx="minor">
+              <a:schemeClr val="lt1"/>
+            </a:fontRef>
+          </p:style>
+          <p:txBody>
+            <a:bodyPr rtlCol="0" anchor="ctr"/>
+            <a:lstStyle/>
+            <a:p>
+              <a:pPr algn="ctr"/>
+              <a:endParaRPr lang="en-SG"/>
+            </a:p>
+          </p:txBody>
+        </p:sp>
+        <p:cxnSp>
+          <p:nvCxnSpPr>
+            <p:cNvPr id="14" name="Straight Connector 13">
+              <a:extLst>
+                <a:ext uri="{FF2B5EF4-FFF2-40B4-BE49-F238E27FC236}">
+                  <a16:creationId xmlns:a16="http://schemas.microsoft.com/office/drawing/2014/main" id="{B672F58D-2EC0-49F8-B351-FE9B5B5F6836}"/>
+                </a:ext>
+              </a:extLst>
+            </p:cNvPr>
+            <p:cNvCxnSpPr>
+              <a:cxnSpLocks/>
+            </p:cNvCxnSpPr>
+            <p:nvPr/>
+          </p:nvCxnSpPr>
+          <p:spPr>
+            <a:xfrm>
+              <a:off x="2635776" y="2040528"/>
+              <a:ext cx="0" cy="314517"/>
+            </a:xfrm>
+            <a:prstGeom prst="line">
+              <a:avLst/>
+            </a:prstGeom>
+            <a:ln w="28575">
+              <a:solidFill>
+                <a:srgbClr val="00B050"/>
+              </a:solidFill>
+              <a:prstDash val="dash"/>
+            </a:ln>
+          </p:spPr>
+          <p:style>
+            <a:lnRef idx="1">
+              <a:schemeClr val="accent1"/>
+            </a:lnRef>
+            <a:fillRef idx="0">
+              <a:schemeClr val="accent1"/>
+            </a:fillRef>
+            <a:effectRef idx="0">
+              <a:schemeClr val="accent1"/>
+            </a:effectRef>
+            <a:fontRef idx="minor">
+              <a:schemeClr val="tx1"/>
+            </a:fontRef>
+          </p:style>
+        </p:cxnSp>
+        <p:cxnSp>
+          <p:nvCxnSpPr>
+            <p:cNvPr id="16" name="Straight Connector 15">
+              <a:extLst>
+                <a:ext uri="{FF2B5EF4-FFF2-40B4-BE49-F238E27FC236}">
+                  <a16:creationId xmlns:a16="http://schemas.microsoft.com/office/drawing/2014/main" id="{DC775BDF-C14B-4359-AC47-9B8A06A68C44}"/>
+                </a:ext>
+              </a:extLst>
+            </p:cNvPr>
+            <p:cNvCxnSpPr>
+              <a:cxnSpLocks/>
+            </p:cNvCxnSpPr>
+            <p:nvPr/>
+          </p:nvCxnSpPr>
+          <p:spPr>
+            <a:xfrm>
+              <a:off x="2626271" y="5568688"/>
+              <a:ext cx="0" cy="314517"/>
+            </a:xfrm>
+            <a:prstGeom prst="line">
+              <a:avLst/>
+            </a:prstGeom>
+            <a:ln w="28575">
+              <a:solidFill>
+                <a:srgbClr val="00B050"/>
+              </a:solidFill>
+              <a:prstDash val="dash"/>
+            </a:ln>
+          </p:spPr>
+          <p:style>
+            <a:lnRef idx="1">
+              <a:schemeClr val="accent1"/>
+            </a:lnRef>
+            <a:fillRef idx="0">
+              <a:schemeClr val="accent1"/>
+            </a:fillRef>
+            <a:effectRef idx="0">
+              <a:schemeClr val="accent1"/>
+            </a:effectRef>
+            <a:fontRef idx="minor">
+              <a:schemeClr val="tx1"/>
+            </a:fontRef>
+          </p:style>
+        </p:cxnSp>
+        <p:sp>
+          <p:nvSpPr>
+            <p:cNvPr id="15" name="Rectangle 14">
+              <a:extLst>
+                <a:ext uri="{FF2B5EF4-FFF2-40B4-BE49-F238E27FC236}">
+                  <a16:creationId xmlns:a16="http://schemas.microsoft.com/office/drawing/2014/main" id="{07AB599A-4CC1-4F18-B846-A1991143219C}"/>
+                </a:ext>
+              </a:extLst>
+            </p:cNvPr>
+            <p:cNvSpPr/>
+            <p:nvPr/>
+          </p:nvSpPr>
+          <p:spPr>
+            <a:xfrm>
+              <a:off x="2226055" y="1663413"/>
+              <a:ext cx="819442" cy="314516"/>
+            </a:xfrm>
+            <a:prstGeom prst="rect">
+              <a:avLst/>
+            </a:prstGeom>
+            <a:solidFill>
+              <a:srgbClr val="00B050"/>
+            </a:solidFill>
+            <a:ln>
+              <a:solidFill>
+                <a:srgbClr val="00B050"/>
+              </a:solidFill>
+            </a:ln>
+          </p:spPr>
+          <p:style>
+            <a:lnRef idx="2">
+              <a:schemeClr val="accent1">
+                <a:shade val="50000"/>
+              </a:schemeClr>
+            </a:lnRef>
+            <a:fillRef idx="1">
+              <a:schemeClr val="accent1"/>
+            </a:fillRef>
+            <a:effectRef idx="0">
+              <a:schemeClr val="accent1"/>
+            </a:effectRef>
+            <a:fontRef idx="minor">
+              <a:schemeClr val="lt1"/>
+            </a:fontRef>
+          </p:style>
+          <p:txBody>
+            <a:bodyPr rtlCol="0" anchor="ctr"/>
+            <a:lstStyle/>
+            <a:p>
+              <a:pPr algn="ctr"/>
+              <a:r>
+                <a:rPr lang="en-SG" dirty="0"/>
+                <a:t>:UI</a:t>
+              </a:r>
+            </a:p>
+          </p:txBody>
+        </p:sp>
+        <p:cxnSp>
+          <p:nvCxnSpPr>
+            <p:cNvPr id="18" name="Straight Arrow Connector 17">
+              <a:extLst>
+                <a:ext uri="{FF2B5EF4-FFF2-40B4-BE49-F238E27FC236}">
+                  <a16:creationId xmlns:a16="http://schemas.microsoft.com/office/drawing/2014/main" id="{29258E37-3401-41D8-886F-5FEE90760F22}"/>
+                </a:ext>
+              </a:extLst>
+            </p:cNvPr>
+            <p:cNvCxnSpPr>
+              <a:cxnSpLocks/>
+              <a:endCxn id="21" idx="0"/>
+            </p:cNvCxnSpPr>
+            <p:nvPr/>
+          </p:nvCxnSpPr>
+          <p:spPr>
+            <a:xfrm>
+              <a:off x="2687963" y="2499316"/>
+              <a:ext cx="2724421" cy="0"/>
+            </a:xfrm>
+            <a:prstGeom prst="straightConnector1">
+              <a:avLst/>
+            </a:prstGeom>
+            <a:ln w="28575">
+              <a:solidFill>
+                <a:srgbClr val="00B050"/>
+              </a:solidFill>
+              <a:tailEnd type="triangle"/>
+            </a:ln>
+          </p:spPr>
+          <p:style>
+            <a:lnRef idx="1">
+              <a:schemeClr val="accent1"/>
+            </a:lnRef>
+            <a:fillRef idx="0">
+              <a:schemeClr val="accent1"/>
+            </a:fillRef>
+            <a:effectRef idx="0">
+              <a:schemeClr val="accent1"/>
+            </a:effectRef>
+            <a:fontRef idx="minor">
+              <a:schemeClr val="tx1"/>
+            </a:fontRef>
+          </p:style>
+        </p:cxnSp>
+        <p:cxnSp>
+          <p:nvCxnSpPr>
+            <p:cNvPr id="20" name="Straight Arrow Connector 19">
+              <a:extLst>
+                <a:ext uri="{FF2B5EF4-FFF2-40B4-BE49-F238E27FC236}">
+                  <a16:creationId xmlns:a16="http://schemas.microsoft.com/office/drawing/2014/main" id="{AA7A9180-6466-42CA-91AB-178BDB1076E7}"/>
+                </a:ext>
+              </a:extLst>
+            </p:cNvPr>
+            <p:cNvCxnSpPr>
+              <a:cxnSpLocks/>
+              <a:stCxn id="21" idx="2"/>
+            </p:cNvCxnSpPr>
+            <p:nvPr/>
+          </p:nvCxnSpPr>
+          <p:spPr>
+            <a:xfrm flipH="1">
+              <a:off x="2691088" y="5191304"/>
+              <a:ext cx="2721296" cy="0"/>
+            </a:xfrm>
+            <a:prstGeom prst="straightConnector1">
+              <a:avLst/>
+            </a:prstGeom>
+            <a:ln w="28575">
               <a:solidFill>
                 <a:srgbClr val="00B0F0"/>
               </a:solidFill>
-              <a:ln>
-                <a:solidFill>
-                  <a:srgbClr val="00B0F0"/>
-                </a:solidFill>
-              </a:ln>
-            </p:spPr>
-            <p:style>
-              <a:lnRef idx="2">
-                <a:schemeClr val="accent1">
-                  <a:shade val="50000"/>
-                </a:schemeClr>
-              </a:lnRef>
-              <a:fillRef idx="1">
-                <a:schemeClr val="accent1"/>
-              </a:fillRef>
-              <a:effectRef idx="0">
-                <a:schemeClr val="accent1"/>
-              </a:effectRef>
-              <a:fontRef idx="minor">
-                <a:schemeClr val="lt1"/>
-              </a:fontRef>
-            </p:style>
-            <p:txBody>
-              <a:bodyPr rtlCol="0" anchor="ctr"/>
-              <a:lstStyle/>
-              <a:p>
-                <a:pPr algn="ctr"/>
-                <a:endParaRPr lang="en-SG"/>
-              </a:p>
-            </p:txBody>
-          </p:sp>
-          <p:sp>
-            <p:nvSpPr>
-              <p:cNvPr id="22" name="Rectangle 21">
-                <a:extLst>
-                  <a:ext uri="{FF2B5EF4-FFF2-40B4-BE49-F238E27FC236}">
-                    <a16:creationId xmlns:a16="http://schemas.microsoft.com/office/drawing/2014/main" id="{6AFF6381-DD10-49D2-B202-38288C97D3EB}"/>
-                  </a:ext>
-                </a:extLst>
-              </p:cNvPr>
-              <p:cNvSpPr/>
-              <p:nvPr/>
-            </p:nvSpPr>
-            <p:spPr>
-              <a:xfrm>
-                <a:off x="4899981" y="1657878"/>
-                <a:ext cx="1023658" cy="314510"/>
-              </a:xfrm>
-              <a:prstGeom prst="rect">
-                <a:avLst/>
-              </a:prstGeom>
+              <a:prstDash val="dash"/>
+              <a:tailEnd type="triangle"/>
+            </a:ln>
+          </p:spPr>
+          <p:style>
+            <a:lnRef idx="1">
+              <a:schemeClr val="accent1"/>
+            </a:lnRef>
+            <a:fillRef idx="0">
+              <a:schemeClr val="accent1"/>
+            </a:fillRef>
+            <a:effectRef idx="0">
+              <a:schemeClr val="accent1"/>
+            </a:effectRef>
+            <a:fontRef idx="minor">
+              <a:schemeClr val="tx1"/>
+            </a:fontRef>
+          </p:style>
+        </p:cxnSp>
+        <p:sp>
+          <p:nvSpPr>
+            <p:cNvPr id="21" name="Rectangle 20">
+              <a:extLst>
+                <a:ext uri="{FF2B5EF4-FFF2-40B4-BE49-F238E27FC236}">
+                  <a16:creationId xmlns:a16="http://schemas.microsoft.com/office/drawing/2014/main" id="{B330B8F4-9BA6-4E47-8B98-CA0A13E80859}"/>
+                </a:ext>
+              </a:extLst>
+            </p:cNvPr>
+            <p:cNvSpPr/>
+            <p:nvPr/>
+          </p:nvSpPr>
+          <p:spPr>
+            <a:xfrm>
+              <a:off x="5347569" y="2510554"/>
+              <a:ext cx="129630" cy="2680750"/>
+            </a:xfrm>
+            <a:prstGeom prst="rect">
+              <a:avLst/>
+            </a:prstGeom>
+            <a:solidFill>
+              <a:srgbClr val="00B0F0"/>
+            </a:solidFill>
+            <a:ln>
               <a:solidFill>
                 <a:srgbClr val="00B0F0"/>
               </a:solidFill>
-              <a:ln>
-                <a:solidFill>
-                  <a:srgbClr val="00B0F0"/>
-                </a:solidFill>
-              </a:ln>
-            </p:spPr>
-            <p:style>
-              <a:lnRef idx="2">
-                <a:schemeClr val="accent1">
-                  <a:shade val="50000"/>
-                </a:schemeClr>
-              </a:lnRef>
-              <a:fillRef idx="1">
-                <a:schemeClr val="accent1"/>
-              </a:fillRef>
-              <a:effectRef idx="0">
-                <a:schemeClr val="accent1"/>
-              </a:effectRef>
-              <a:fontRef idx="minor">
-                <a:schemeClr val="lt1"/>
-              </a:fontRef>
-            </p:style>
-            <p:txBody>
-              <a:bodyPr rtlCol="0" anchor="ctr"/>
-              <a:lstStyle/>
-              <a:p>
-                <a:pPr algn="ctr"/>
-                <a:r>
-                  <a:rPr lang="en-SG" dirty="0"/>
-                  <a:t>:Logic</a:t>
-                </a:r>
-              </a:p>
-            </p:txBody>
-          </p:sp>
-          <p:cxnSp>
-            <p:nvCxnSpPr>
-              <p:cNvPr id="23" name="Straight Connector 22">
-                <a:extLst>
-                  <a:ext uri="{FF2B5EF4-FFF2-40B4-BE49-F238E27FC236}">
-                    <a16:creationId xmlns:a16="http://schemas.microsoft.com/office/drawing/2014/main" id="{57C23AF0-FFCD-43FA-B031-297B87BB9C29}"/>
-                  </a:ext>
-                </a:extLst>
-              </p:cNvPr>
-              <p:cNvCxnSpPr>
-                <a:cxnSpLocks/>
-              </p:cNvCxnSpPr>
-              <p:nvPr/>
-            </p:nvCxnSpPr>
-            <p:spPr>
-              <a:xfrm>
-                <a:off x="5411810" y="1972401"/>
-                <a:ext cx="0" cy="540000"/>
-              </a:xfrm>
-              <a:prstGeom prst="line">
-                <a:avLst/>
-              </a:prstGeom>
-              <a:ln w="28575">
-                <a:solidFill>
-                  <a:srgbClr val="00B0F0"/>
-                </a:solidFill>
-                <a:prstDash val="dash"/>
-              </a:ln>
-            </p:spPr>
-            <p:style>
-              <a:lnRef idx="1">
-                <a:schemeClr val="accent1"/>
-              </a:lnRef>
-              <a:fillRef idx="0">
-                <a:schemeClr val="accent1"/>
-              </a:fillRef>
-              <a:effectRef idx="0">
-                <a:schemeClr val="accent1"/>
-              </a:effectRef>
-              <a:fontRef idx="minor">
-                <a:schemeClr val="tx1"/>
-              </a:fontRef>
-            </p:style>
-          </p:cxnSp>
-          <p:cxnSp>
-            <p:nvCxnSpPr>
-              <p:cNvPr id="26" name="Straight Connector 25">
-                <a:extLst>
-                  <a:ext uri="{FF2B5EF4-FFF2-40B4-BE49-F238E27FC236}">
-                    <a16:creationId xmlns:a16="http://schemas.microsoft.com/office/drawing/2014/main" id="{38B2C8B6-5627-4ADC-BEBB-CA35268F2988}"/>
-                  </a:ext>
-                </a:extLst>
-              </p:cNvPr>
-              <p:cNvCxnSpPr>
-                <a:cxnSpLocks/>
-              </p:cNvCxnSpPr>
-              <p:nvPr/>
-            </p:nvCxnSpPr>
-            <p:spPr>
-              <a:xfrm>
-                <a:off x="5411810" y="5191303"/>
-                <a:ext cx="0" cy="540000"/>
-              </a:xfrm>
-              <a:prstGeom prst="line">
-                <a:avLst/>
-              </a:prstGeom>
-              <a:ln w="28575">
-                <a:solidFill>
-                  <a:srgbClr val="00B0F0"/>
-                </a:solidFill>
-                <a:prstDash val="dash"/>
-              </a:ln>
-            </p:spPr>
-            <p:style>
-              <a:lnRef idx="1">
-                <a:schemeClr val="accent1"/>
-              </a:lnRef>
-              <a:fillRef idx="0">
-                <a:schemeClr val="accent1"/>
-              </a:fillRef>
-              <a:effectRef idx="0">
-                <a:schemeClr val="accent1"/>
-              </a:effectRef>
-              <a:fontRef idx="minor">
-                <a:schemeClr val="tx1"/>
-              </a:fontRef>
-            </p:style>
-          </p:cxnSp>
-          <p:cxnSp>
-            <p:nvCxnSpPr>
-              <p:cNvPr id="27" name="Straight Arrow Connector 26">
-                <a:extLst>
-                  <a:ext uri="{FF2B5EF4-FFF2-40B4-BE49-F238E27FC236}">
-                    <a16:creationId xmlns:a16="http://schemas.microsoft.com/office/drawing/2014/main" id="{A820004D-71BD-43BB-B6C6-803CA60B4634}"/>
-                  </a:ext>
-                </a:extLst>
-              </p:cNvPr>
-              <p:cNvCxnSpPr>
-                <a:cxnSpLocks/>
-                <a:endCxn id="45" idx="0"/>
-              </p:cNvCxnSpPr>
-              <p:nvPr/>
-            </p:nvCxnSpPr>
-            <p:spPr>
-              <a:xfrm flipV="1">
-                <a:off x="5477199" y="2678805"/>
-                <a:ext cx="2812753" cy="0"/>
-              </a:xfrm>
-              <a:prstGeom prst="straightConnector1">
-                <a:avLst/>
-              </a:prstGeom>
-              <a:ln w="28575">
-                <a:solidFill>
-                  <a:srgbClr val="00B0F0"/>
-                </a:solidFill>
-                <a:tailEnd type="triangle"/>
-              </a:ln>
-            </p:spPr>
-            <p:style>
-              <a:lnRef idx="1">
-                <a:schemeClr val="accent1"/>
-              </a:lnRef>
-              <a:fillRef idx="0">
-                <a:schemeClr val="accent1"/>
-              </a:fillRef>
-              <a:effectRef idx="0">
-                <a:schemeClr val="accent1"/>
-              </a:effectRef>
-              <a:fontRef idx="minor">
-                <a:schemeClr val="tx1"/>
-              </a:fontRef>
-            </p:style>
-          </p:cxnSp>
-          <p:sp>
-            <p:nvSpPr>
-              <p:cNvPr id="30" name="TextBox 29">
-                <a:extLst>
-                  <a:ext uri="{FF2B5EF4-FFF2-40B4-BE49-F238E27FC236}">
-                    <a16:creationId xmlns:a16="http://schemas.microsoft.com/office/drawing/2014/main" id="{556957BC-2882-4E11-86EF-42659EB27D98}"/>
-                  </a:ext>
-                </a:extLst>
-              </p:cNvPr>
-              <p:cNvSpPr txBox="1"/>
-              <p:nvPr/>
-            </p:nvSpPr>
-            <p:spPr>
-              <a:xfrm>
-                <a:off x="756413" y="2426429"/>
-                <a:ext cx="1687257" cy="369332"/>
-              </a:xfrm>
-              <a:prstGeom prst="rect">
-                <a:avLst/>
-              </a:prstGeom>
-              <a:noFill/>
-            </p:spPr>
-            <p:txBody>
-              <a:bodyPr wrap="none" rtlCol="0">
-                <a:spAutoFit/>
-              </a:bodyPr>
-              <a:lstStyle/>
-              <a:p>
-                <a:r>
-                  <a:rPr lang="en-SG" dirty="0"/>
-                  <a:t>deleteStudent 1</a:t>
-                </a:r>
-              </a:p>
-            </p:txBody>
-          </p:sp>
-          <p:sp>
-            <p:nvSpPr>
-              <p:cNvPr id="34" name="TextBox 33">
-                <a:extLst>
-                  <a:ext uri="{FF2B5EF4-FFF2-40B4-BE49-F238E27FC236}">
-                    <a16:creationId xmlns:a16="http://schemas.microsoft.com/office/drawing/2014/main" id="{4C884C2A-5C7B-4C64-95D7-25039CA4E367}"/>
-                  </a:ext>
-                </a:extLst>
-              </p:cNvPr>
-              <p:cNvSpPr txBox="1"/>
-              <p:nvPr/>
-            </p:nvSpPr>
-            <p:spPr>
-              <a:xfrm>
-                <a:off x="2650484" y="2533027"/>
-                <a:ext cx="2697085" cy="369332"/>
-              </a:xfrm>
-              <a:prstGeom prst="rect">
-                <a:avLst/>
-              </a:prstGeom>
-              <a:noFill/>
-            </p:spPr>
-            <p:txBody>
-              <a:bodyPr wrap="none" rtlCol="0">
-                <a:spAutoFit/>
-              </a:bodyPr>
-              <a:lstStyle/>
-              <a:p>
-                <a:r>
-                  <a:rPr lang="en-SG" dirty="0">
-                    <a:solidFill>
-                      <a:srgbClr val="00B0F0"/>
-                    </a:solidFill>
-                  </a:rPr>
-                  <a:t>execute (“deleteStudent 1)</a:t>
-                </a:r>
-              </a:p>
-            </p:txBody>
-          </p:sp>
-          <p:sp>
-            <p:nvSpPr>
-              <p:cNvPr id="39" name="TextBox 38">
-                <a:extLst>
-                  <a:ext uri="{FF2B5EF4-FFF2-40B4-BE49-F238E27FC236}">
-                    <a16:creationId xmlns:a16="http://schemas.microsoft.com/office/drawing/2014/main" id="{3F5EE1D8-210A-4894-9816-87E373D4C467}"/>
-                  </a:ext>
-                </a:extLst>
-              </p:cNvPr>
-              <p:cNvSpPr txBox="1"/>
-              <p:nvPr/>
-            </p:nvSpPr>
-            <p:spPr>
-              <a:xfrm>
-                <a:off x="5477199" y="2763439"/>
-                <a:ext cx="2378280" cy="369332"/>
-              </a:xfrm>
-              <a:prstGeom prst="rect">
-                <a:avLst/>
-              </a:prstGeom>
-              <a:noFill/>
-            </p:spPr>
-            <p:txBody>
-              <a:bodyPr wrap="none" rtlCol="0">
-                <a:spAutoFit/>
-              </a:bodyPr>
-              <a:lstStyle/>
-              <a:p>
-                <a:r>
-                  <a:rPr lang="en-SG" dirty="0">
-                    <a:solidFill>
-                      <a:srgbClr val="CC66FF"/>
-                    </a:solidFill>
-                  </a:rPr>
-                  <a:t>deleteStudent(student)</a:t>
-                </a:r>
-              </a:p>
-            </p:txBody>
-          </p:sp>
-          <p:cxnSp>
-            <p:nvCxnSpPr>
-              <p:cNvPr id="42" name="Straight Arrow Connector 41">
-                <a:extLst>
-                  <a:ext uri="{FF2B5EF4-FFF2-40B4-BE49-F238E27FC236}">
-                    <a16:creationId xmlns:a16="http://schemas.microsoft.com/office/drawing/2014/main" id="{8336F5B1-25FB-4B42-BB39-82B39939BEBD}"/>
-                  </a:ext>
-                </a:extLst>
-              </p:cNvPr>
-              <p:cNvCxnSpPr>
-                <a:cxnSpLocks/>
-                <a:stCxn id="45" idx="2"/>
-              </p:cNvCxnSpPr>
-              <p:nvPr/>
-            </p:nvCxnSpPr>
-            <p:spPr>
-              <a:xfrm flipH="1">
-                <a:off x="5477200" y="3295656"/>
-                <a:ext cx="2812752" cy="0"/>
-              </a:xfrm>
-              <a:prstGeom prst="straightConnector1">
-                <a:avLst/>
-              </a:prstGeom>
-              <a:ln w="28575">
-                <a:solidFill>
-                  <a:srgbClr val="CC66FF"/>
-                </a:solidFill>
-                <a:prstDash val="dash"/>
-                <a:tailEnd type="triangle"/>
-              </a:ln>
-            </p:spPr>
-            <p:style>
-              <a:lnRef idx="1">
-                <a:schemeClr val="accent1"/>
-              </a:lnRef>
-              <a:fillRef idx="0">
-                <a:schemeClr val="accent1"/>
-              </a:fillRef>
-              <a:effectRef idx="0">
-                <a:schemeClr val="accent1"/>
-              </a:effectRef>
-              <a:fontRef idx="minor">
-                <a:schemeClr val="tx1"/>
-              </a:fontRef>
-            </p:style>
-          </p:cxnSp>
-          <p:sp>
-            <p:nvSpPr>
-              <p:cNvPr id="45" name="Rectangle 44">
-                <a:extLst>
-                  <a:ext uri="{FF2B5EF4-FFF2-40B4-BE49-F238E27FC236}">
-                    <a16:creationId xmlns:a16="http://schemas.microsoft.com/office/drawing/2014/main" id="{2F67EA02-30EB-42FC-9607-607783B399CF}"/>
-                  </a:ext>
-                </a:extLst>
-              </p:cNvPr>
-              <p:cNvSpPr/>
-              <p:nvPr/>
-            </p:nvSpPr>
-            <p:spPr>
-              <a:xfrm>
-                <a:off x="8225137" y="2678805"/>
-                <a:ext cx="129630" cy="616851"/>
-              </a:xfrm>
-              <a:prstGeom prst="rect">
-                <a:avLst/>
-              </a:prstGeom>
+            </a:ln>
+          </p:spPr>
+          <p:style>
+            <a:lnRef idx="2">
+              <a:schemeClr val="accent1">
+                <a:shade val="50000"/>
+              </a:schemeClr>
+            </a:lnRef>
+            <a:fillRef idx="1">
+              <a:schemeClr val="accent1"/>
+            </a:fillRef>
+            <a:effectRef idx="0">
+              <a:schemeClr val="accent1"/>
+            </a:effectRef>
+            <a:fontRef idx="minor">
+              <a:schemeClr val="lt1"/>
+            </a:fontRef>
+          </p:style>
+          <p:txBody>
+            <a:bodyPr rtlCol="0" anchor="ctr"/>
+            <a:lstStyle/>
+            <a:p>
+              <a:pPr algn="ctr"/>
+              <a:endParaRPr lang="en-SG"/>
+            </a:p>
+          </p:txBody>
+        </p:sp>
+        <p:sp>
+          <p:nvSpPr>
+            <p:cNvPr id="22" name="Rectangle 21">
+              <a:extLst>
+                <a:ext uri="{FF2B5EF4-FFF2-40B4-BE49-F238E27FC236}">
+                  <a16:creationId xmlns:a16="http://schemas.microsoft.com/office/drawing/2014/main" id="{6AFF6381-DD10-49D2-B202-38288C97D3EB}"/>
+                </a:ext>
+              </a:extLst>
+            </p:cNvPr>
+            <p:cNvSpPr/>
+            <p:nvPr/>
+          </p:nvSpPr>
+          <p:spPr>
+            <a:xfrm>
+              <a:off x="4899981" y="1657878"/>
+              <a:ext cx="1023658" cy="314510"/>
+            </a:xfrm>
+            <a:prstGeom prst="rect">
+              <a:avLst/>
+            </a:prstGeom>
+            <a:solidFill>
+              <a:srgbClr val="00B0F0"/>
+            </a:solidFill>
+            <a:ln>
+              <a:solidFill>
+                <a:srgbClr val="00B0F0"/>
+              </a:solidFill>
+            </a:ln>
+          </p:spPr>
+          <p:style>
+            <a:lnRef idx="2">
+              <a:schemeClr val="accent1">
+                <a:shade val="50000"/>
+              </a:schemeClr>
+            </a:lnRef>
+            <a:fillRef idx="1">
+              <a:schemeClr val="accent1"/>
+            </a:fillRef>
+            <a:effectRef idx="0">
+              <a:schemeClr val="accent1"/>
+            </a:effectRef>
+            <a:fontRef idx="minor">
+              <a:schemeClr val="lt1"/>
+            </a:fontRef>
+          </p:style>
+          <p:txBody>
+            <a:bodyPr rtlCol="0" anchor="ctr"/>
+            <a:lstStyle/>
+            <a:p>
+              <a:pPr algn="ctr"/>
+              <a:r>
+                <a:rPr lang="en-SG" dirty="0"/>
+                <a:t>:Logic</a:t>
+              </a:r>
+            </a:p>
+          </p:txBody>
+        </p:sp>
+        <p:cxnSp>
+          <p:nvCxnSpPr>
+            <p:cNvPr id="23" name="Straight Connector 22">
+              <a:extLst>
+                <a:ext uri="{FF2B5EF4-FFF2-40B4-BE49-F238E27FC236}">
+                  <a16:creationId xmlns:a16="http://schemas.microsoft.com/office/drawing/2014/main" id="{57C23AF0-FFCD-43FA-B031-297B87BB9C29}"/>
+                </a:ext>
+              </a:extLst>
+            </p:cNvPr>
+            <p:cNvCxnSpPr>
+              <a:cxnSpLocks/>
+            </p:cNvCxnSpPr>
+            <p:nvPr/>
+          </p:nvCxnSpPr>
+          <p:spPr>
+            <a:xfrm>
+              <a:off x="5411810" y="1972401"/>
+              <a:ext cx="0" cy="540000"/>
+            </a:xfrm>
+            <a:prstGeom prst="line">
+              <a:avLst/>
+            </a:prstGeom>
+            <a:ln w="28575">
+              <a:solidFill>
+                <a:srgbClr val="00B0F0"/>
+              </a:solidFill>
+              <a:prstDash val="dash"/>
+            </a:ln>
+          </p:spPr>
+          <p:style>
+            <a:lnRef idx="1">
+              <a:schemeClr val="accent1"/>
+            </a:lnRef>
+            <a:fillRef idx="0">
+              <a:schemeClr val="accent1"/>
+            </a:fillRef>
+            <a:effectRef idx="0">
+              <a:schemeClr val="accent1"/>
+            </a:effectRef>
+            <a:fontRef idx="minor">
+              <a:schemeClr val="tx1"/>
+            </a:fontRef>
+          </p:style>
+        </p:cxnSp>
+        <p:cxnSp>
+          <p:nvCxnSpPr>
+            <p:cNvPr id="26" name="Straight Connector 25">
+              <a:extLst>
+                <a:ext uri="{FF2B5EF4-FFF2-40B4-BE49-F238E27FC236}">
+                  <a16:creationId xmlns:a16="http://schemas.microsoft.com/office/drawing/2014/main" id="{38B2C8B6-5627-4ADC-BEBB-CA35268F2988}"/>
+                </a:ext>
+              </a:extLst>
+            </p:cNvPr>
+            <p:cNvCxnSpPr>
+              <a:cxnSpLocks/>
+            </p:cNvCxnSpPr>
+            <p:nvPr/>
+          </p:nvCxnSpPr>
+          <p:spPr>
+            <a:xfrm>
+              <a:off x="5411810" y="5191303"/>
+              <a:ext cx="0" cy="540000"/>
+            </a:xfrm>
+            <a:prstGeom prst="line">
+              <a:avLst/>
+            </a:prstGeom>
+            <a:ln w="28575">
+              <a:solidFill>
+                <a:srgbClr val="00B0F0"/>
+              </a:solidFill>
+              <a:prstDash val="dash"/>
+            </a:ln>
+          </p:spPr>
+          <p:style>
+            <a:lnRef idx="1">
+              <a:schemeClr val="accent1"/>
+            </a:lnRef>
+            <a:fillRef idx="0">
+              <a:schemeClr val="accent1"/>
+            </a:fillRef>
+            <a:effectRef idx="0">
+              <a:schemeClr val="accent1"/>
+            </a:effectRef>
+            <a:fontRef idx="minor">
+              <a:schemeClr val="tx1"/>
+            </a:fontRef>
+          </p:style>
+        </p:cxnSp>
+        <p:cxnSp>
+          <p:nvCxnSpPr>
+            <p:cNvPr id="27" name="Straight Arrow Connector 26">
+              <a:extLst>
+                <a:ext uri="{FF2B5EF4-FFF2-40B4-BE49-F238E27FC236}">
+                  <a16:creationId xmlns:a16="http://schemas.microsoft.com/office/drawing/2014/main" id="{A820004D-71BD-43BB-B6C6-803CA60B4634}"/>
+                </a:ext>
+              </a:extLst>
+            </p:cNvPr>
+            <p:cNvCxnSpPr>
+              <a:cxnSpLocks/>
+              <a:endCxn id="45" idx="0"/>
+            </p:cNvCxnSpPr>
+            <p:nvPr/>
+          </p:nvCxnSpPr>
+          <p:spPr>
+            <a:xfrm flipV="1">
+              <a:off x="5477199" y="2678805"/>
+              <a:ext cx="2812753" cy="0"/>
+            </a:xfrm>
+            <a:prstGeom prst="straightConnector1">
+              <a:avLst/>
+            </a:prstGeom>
+            <a:ln w="28575">
+              <a:solidFill>
+                <a:srgbClr val="00B0F0"/>
+              </a:solidFill>
+              <a:tailEnd type="triangle"/>
+            </a:ln>
+          </p:spPr>
+          <p:style>
+            <a:lnRef idx="1">
+              <a:schemeClr val="accent1"/>
+            </a:lnRef>
+            <a:fillRef idx="0">
+              <a:schemeClr val="accent1"/>
+            </a:fillRef>
+            <a:effectRef idx="0">
+              <a:schemeClr val="accent1"/>
+            </a:effectRef>
+            <a:fontRef idx="minor">
+              <a:schemeClr val="tx1"/>
+            </a:fontRef>
+          </p:style>
+        </p:cxnSp>
+        <p:sp>
+          <p:nvSpPr>
+            <p:cNvPr id="30" name="TextBox 29">
+              <a:extLst>
+                <a:ext uri="{FF2B5EF4-FFF2-40B4-BE49-F238E27FC236}">
+                  <a16:creationId xmlns:a16="http://schemas.microsoft.com/office/drawing/2014/main" id="{556957BC-2882-4E11-86EF-42659EB27D98}"/>
+                </a:ext>
+              </a:extLst>
+            </p:cNvPr>
+            <p:cNvSpPr txBox="1"/>
+            <p:nvPr/>
+          </p:nvSpPr>
+          <p:spPr>
+            <a:xfrm>
+              <a:off x="756413" y="2426429"/>
+              <a:ext cx="1687257" cy="369332"/>
+            </a:xfrm>
+            <a:prstGeom prst="rect">
+              <a:avLst/>
+            </a:prstGeom>
+            <a:noFill/>
+          </p:spPr>
+          <p:txBody>
+            <a:bodyPr wrap="none" rtlCol="0">
+              <a:spAutoFit/>
+            </a:bodyPr>
+            <a:lstStyle/>
+            <a:p>
+              <a:r>
+                <a:rPr lang="en-SG" dirty="0"/>
+                <a:t>deleteStudent 1</a:t>
+              </a:r>
+            </a:p>
+          </p:txBody>
+        </p:sp>
+        <p:sp>
+          <p:nvSpPr>
+            <p:cNvPr id="34" name="TextBox 33">
+              <a:extLst>
+                <a:ext uri="{FF2B5EF4-FFF2-40B4-BE49-F238E27FC236}">
+                  <a16:creationId xmlns:a16="http://schemas.microsoft.com/office/drawing/2014/main" id="{4C884C2A-5C7B-4C64-95D7-25039CA4E367}"/>
+                </a:ext>
+              </a:extLst>
+            </p:cNvPr>
+            <p:cNvSpPr txBox="1"/>
+            <p:nvPr/>
+          </p:nvSpPr>
+          <p:spPr>
+            <a:xfrm>
+              <a:off x="2650484" y="2533027"/>
+              <a:ext cx="2697085" cy="369332"/>
+            </a:xfrm>
+            <a:prstGeom prst="rect">
+              <a:avLst/>
+            </a:prstGeom>
+            <a:noFill/>
+          </p:spPr>
+          <p:txBody>
+            <a:bodyPr wrap="none" rtlCol="0">
+              <a:spAutoFit/>
+            </a:bodyPr>
+            <a:lstStyle/>
+            <a:p>
+              <a:r>
+                <a:rPr lang="en-SG" dirty="0">
+                  <a:solidFill>
+                    <a:srgbClr val="00B0F0"/>
+                  </a:solidFill>
+                </a:rPr>
+                <a:t>execute (“deleteStudent 1)</a:t>
+              </a:r>
+            </a:p>
+          </p:txBody>
+        </p:sp>
+        <p:sp>
+          <p:nvSpPr>
+            <p:cNvPr id="39" name="TextBox 38">
+              <a:extLst>
+                <a:ext uri="{FF2B5EF4-FFF2-40B4-BE49-F238E27FC236}">
+                  <a16:creationId xmlns:a16="http://schemas.microsoft.com/office/drawing/2014/main" id="{3F5EE1D8-210A-4894-9816-87E373D4C467}"/>
+                </a:ext>
+              </a:extLst>
+            </p:cNvPr>
+            <p:cNvSpPr txBox="1"/>
+            <p:nvPr/>
+          </p:nvSpPr>
+          <p:spPr>
+            <a:xfrm>
+              <a:off x="5477199" y="2763439"/>
+              <a:ext cx="2378280" cy="369332"/>
+            </a:xfrm>
+            <a:prstGeom prst="rect">
+              <a:avLst/>
+            </a:prstGeom>
+            <a:noFill/>
+          </p:spPr>
+          <p:txBody>
+            <a:bodyPr wrap="none" rtlCol="0">
+              <a:spAutoFit/>
+            </a:bodyPr>
+            <a:lstStyle/>
+            <a:p>
+              <a:r>
+                <a:rPr lang="en-SG" dirty="0">
+                  <a:solidFill>
+                    <a:srgbClr val="CC66FF"/>
+                  </a:solidFill>
+                </a:rPr>
+                <a:t>deleteStudent(student)</a:t>
+              </a:r>
+            </a:p>
+          </p:txBody>
+        </p:sp>
+        <p:cxnSp>
+          <p:nvCxnSpPr>
+            <p:cNvPr id="42" name="Straight Arrow Connector 41">
+              <a:extLst>
+                <a:ext uri="{FF2B5EF4-FFF2-40B4-BE49-F238E27FC236}">
+                  <a16:creationId xmlns:a16="http://schemas.microsoft.com/office/drawing/2014/main" id="{8336F5B1-25FB-4B42-BB39-82B39939BEBD}"/>
+                </a:ext>
+              </a:extLst>
+            </p:cNvPr>
+            <p:cNvCxnSpPr>
+              <a:cxnSpLocks/>
+              <a:stCxn id="45" idx="2"/>
+            </p:cNvCxnSpPr>
+            <p:nvPr/>
+          </p:nvCxnSpPr>
+          <p:spPr>
+            <a:xfrm flipH="1">
+              <a:off x="5477200" y="3295656"/>
+              <a:ext cx="2812752" cy="0"/>
+            </a:xfrm>
+            <a:prstGeom prst="straightConnector1">
+              <a:avLst/>
+            </a:prstGeom>
+            <a:ln w="28575">
               <a:solidFill>
                 <a:srgbClr val="CC66FF"/>
               </a:solidFill>
-              <a:ln>
-                <a:solidFill>
-                  <a:srgbClr val="CC66FF"/>
-                </a:solidFill>
-              </a:ln>
-            </p:spPr>
-            <p:style>
-              <a:lnRef idx="2">
-                <a:schemeClr val="accent1">
-                  <a:shade val="50000"/>
-                </a:schemeClr>
-              </a:lnRef>
-              <a:fillRef idx="1">
-                <a:schemeClr val="accent1"/>
-              </a:fillRef>
-              <a:effectRef idx="0">
-                <a:schemeClr val="accent1"/>
-              </a:effectRef>
-              <a:fontRef idx="minor">
-                <a:schemeClr val="lt1"/>
-              </a:fontRef>
-            </p:style>
-            <p:txBody>
-              <a:bodyPr rtlCol="0" anchor="ctr"/>
-              <a:lstStyle/>
-              <a:p>
-                <a:pPr algn="ctr"/>
-                <a:endParaRPr lang="en-SG"/>
-              </a:p>
-            </p:txBody>
-          </p:sp>
-          <p:cxnSp>
-            <p:nvCxnSpPr>
-              <p:cNvPr id="46" name="Straight Connector 45">
-                <a:extLst>
-                  <a:ext uri="{FF2B5EF4-FFF2-40B4-BE49-F238E27FC236}">
-                    <a16:creationId xmlns:a16="http://schemas.microsoft.com/office/drawing/2014/main" id="{3A72A2C0-E938-488D-96B4-57CC943ED8A2}"/>
-                  </a:ext>
-                </a:extLst>
-              </p:cNvPr>
-              <p:cNvCxnSpPr>
-                <a:cxnSpLocks/>
-              </p:cNvCxnSpPr>
-              <p:nvPr/>
-            </p:nvCxnSpPr>
-            <p:spPr>
-              <a:xfrm>
-                <a:off x="8292838" y="2030307"/>
-                <a:ext cx="0" cy="690603"/>
-              </a:xfrm>
-              <a:prstGeom prst="line">
-                <a:avLst/>
-              </a:prstGeom>
-              <a:ln w="28575">
-                <a:solidFill>
-                  <a:srgbClr val="CC66FF"/>
-                </a:solidFill>
-                <a:prstDash val="dash"/>
-              </a:ln>
-            </p:spPr>
-            <p:style>
-              <a:lnRef idx="1">
-                <a:schemeClr val="accent1"/>
-              </a:lnRef>
-              <a:fillRef idx="0">
-                <a:schemeClr val="accent1"/>
-              </a:fillRef>
-              <a:effectRef idx="0">
-                <a:schemeClr val="accent1"/>
-              </a:effectRef>
-              <a:fontRef idx="minor">
-                <a:schemeClr val="tx1"/>
-              </a:fontRef>
-            </p:style>
-          </p:cxnSp>
-          <p:sp>
-            <p:nvSpPr>
-              <p:cNvPr id="48" name="Rectangle 47">
-                <a:extLst>
-                  <a:ext uri="{FF2B5EF4-FFF2-40B4-BE49-F238E27FC236}">
-                    <a16:creationId xmlns:a16="http://schemas.microsoft.com/office/drawing/2014/main" id="{C76CB26E-1882-45AD-8B26-4E36F5E99049}"/>
-                  </a:ext>
-                </a:extLst>
-              </p:cNvPr>
-              <p:cNvSpPr/>
-              <p:nvPr/>
-            </p:nvSpPr>
-            <p:spPr>
-              <a:xfrm>
-                <a:off x="7761256" y="1650170"/>
-                <a:ext cx="1023658" cy="314510"/>
-              </a:xfrm>
-              <a:prstGeom prst="rect">
-                <a:avLst/>
-              </a:prstGeom>
+              <a:prstDash val="dash"/>
+              <a:tailEnd type="triangle"/>
+            </a:ln>
+          </p:spPr>
+          <p:style>
+            <a:lnRef idx="1">
+              <a:schemeClr val="accent1"/>
+            </a:lnRef>
+            <a:fillRef idx="0">
+              <a:schemeClr val="accent1"/>
+            </a:fillRef>
+            <a:effectRef idx="0">
+              <a:schemeClr val="accent1"/>
+            </a:effectRef>
+            <a:fontRef idx="minor">
+              <a:schemeClr val="tx1"/>
+            </a:fontRef>
+          </p:style>
+        </p:cxnSp>
+        <p:sp>
+          <p:nvSpPr>
+            <p:cNvPr id="45" name="Rectangle 44">
+              <a:extLst>
+                <a:ext uri="{FF2B5EF4-FFF2-40B4-BE49-F238E27FC236}">
+                  <a16:creationId xmlns:a16="http://schemas.microsoft.com/office/drawing/2014/main" id="{2F67EA02-30EB-42FC-9607-607783B399CF}"/>
+                </a:ext>
+              </a:extLst>
+            </p:cNvPr>
+            <p:cNvSpPr/>
+            <p:nvPr/>
+          </p:nvSpPr>
+          <p:spPr>
+            <a:xfrm>
+              <a:off x="8225137" y="2678805"/>
+              <a:ext cx="129630" cy="616851"/>
+            </a:xfrm>
+            <a:prstGeom prst="rect">
+              <a:avLst/>
+            </a:prstGeom>
+            <a:solidFill>
+              <a:srgbClr val="CC66FF"/>
+            </a:solidFill>
+            <a:ln>
               <a:solidFill>
                 <a:srgbClr val="CC66FF"/>
               </a:solidFill>
-              <a:ln>
-                <a:solidFill>
-                  <a:srgbClr val="CC66FF"/>
-                </a:solidFill>
-              </a:ln>
-            </p:spPr>
-            <p:style>
-              <a:lnRef idx="2">
-                <a:schemeClr val="accent1">
-                  <a:shade val="50000"/>
-                </a:schemeClr>
-              </a:lnRef>
-              <a:fillRef idx="1">
-                <a:schemeClr val="accent1"/>
-              </a:fillRef>
-              <a:effectRef idx="0">
-                <a:schemeClr val="accent1"/>
-              </a:effectRef>
-              <a:fontRef idx="minor">
-                <a:schemeClr val="lt1"/>
-              </a:fontRef>
-            </p:style>
-            <p:txBody>
-              <a:bodyPr rtlCol="0" anchor="ctr"/>
-              <a:lstStyle/>
-              <a:p>
-                <a:pPr algn="ctr"/>
-                <a:r>
-                  <a:rPr lang="en-SG" dirty="0"/>
-                  <a:t>:Model</a:t>
-                </a:r>
-              </a:p>
-            </p:txBody>
-          </p:sp>
-          <p:cxnSp>
-            <p:nvCxnSpPr>
-              <p:cNvPr id="49" name="Straight Connector 48">
-                <a:extLst>
-                  <a:ext uri="{FF2B5EF4-FFF2-40B4-BE49-F238E27FC236}">
-                    <a16:creationId xmlns:a16="http://schemas.microsoft.com/office/drawing/2014/main" id="{6BB54178-13C3-4E66-8149-DCFC17486B9F}"/>
-                  </a:ext>
-                </a:extLst>
-              </p:cNvPr>
-              <p:cNvCxnSpPr>
-                <a:cxnSpLocks/>
-              </p:cNvCxnSpPr>
-              <p:nvPr/>
-            </p:nvCxnSpPr>
-            <p:spPr>
-              <a:xfrm>
-                <a:off x="8289952" y="3064692"/>
-                <a:ext cx="0" cy="2484990"/>
-              </a:xfrm>
-              <a:prstGeom prst="line">
-                <a:avLst/>
-              </a:prstGeom>
-              <a:ln w="28575">
-                <a:solidFill>
-                  <a:srgbClr val="CC66FF"/>
-                </a:solidFill>
-                <a:prstDash val="dash"/>
-              </a:ln>
-            </p:spPr>
-            <p:style>
-              <a:lnRef idx="1">
-                <a:schemeClr val="accent1"/>
-              </a:lnRef>
-              <a:fillRef idx="0">
-                <a:schemeClr val="accent1"/>
-              </a:fillRef>
-              <a:effectRef idx="0">
-                <a:schemeClr val="accent1"/>
-              </a:effectRef>
-              <a:fontRef idx="minor">
-                <a:schemeClr val="tx1"/>
-              </a:fontRef>
-            </p:style>
-          </p:cxnSp>
-          <p:cxnSp>
-            <p:nvCxnSpPr>
-              <p:cNvPr id="51" name="Straight Arrow Connector 50">
-                <a:extLst>
-                  <a:ext uri="{FF2B5EF4-FFF2-40B4-BE49-F238E27FC236}">
-                    <a16:creationId xmlns:a16="http://schemas.microsoft.com/office/drawing/2014/main" id="{8A9ECE2F-C2B8-4A86-8D1F-D796E5151BF6}"/>
-                  </a:ext>
-                </a:extLst>
-              </p:cNvPr>
-              <p:cNvCxnSpPr>
-                <a:cxnSpLocks/>
-              </p:cNvCxnSpPr>
-              <p:nvPr/>
-            </p:nvCxnSpPr>
-            <p:spPr>
-              <a:xfrm>
-                <a:off x="5477199" y="3967277"/>
-                <a:ext cx="4029658" cy="0"/>
-              </a:xfrm>
-              <a:prstGeom prst="straightConnector1">
-                <a:avLst/>
-              </a:prstGeom>
-              <a:ln w="28575">
-                <a:solidFill>
-                  <a:srgbClr val="00B0F0"/>
-                </a:solidFill>
-                <a:tailEnd type="triangle"/>
-              </a:ln>
-            </p:spPr>
-            <p:style>
-              <a:lnRef idx="1">
-                <a:schemeClr val="accent1"/>
-              </a:lnRef>
-              <a:fillRef idx="0">
-                <a:schemeClr val="accent1"/>
-              </a:fillRef>
-              <a:effectRef idx="0">
-                <a:schemeClr val="accent1"/>
-              </a:effectRef>
-              <a:fontRef idx="minor">
-                <a:schemeClr val="tx1"/>
-              </a:fontRef>
-            </p:style>
-          </p:cxnSp>
-          <p:cxnSp>
-            <p:nvCxnSpPr>
-              <p:cNvPr id="55" name="Straight Arrow Connector 54">
-                <a:extLst>
-                  <a:ext uri="{FF2B5EF4-FFF2-40B4-BE49-F238E27FC236}">
-                    <a16:creationId xmlns:a16="http://schemas.microsoft.com/office/drawing/2014/main" id="{A36D47B7-BEF9-4916-8DF6-E2DE04397672}"/>
-                  </a:ext>
-                </a:extLst>
-              </p:cNvPr>
-              <p:cNvCxnSpPr>
-                <a:cxnSpLocks/>
-              </p:cNvCxnSpPr>
-              <p:nvPr/>
-            </p:nvCxnSpPr>
-            <p:spPr>
-              <a:xfrm flipH="1">
-                <a:off x="5477199" y="4859906"/>
-                <a:ext cx="4029658" cy="0"/>
-              </a:xfrm>
-              <a:prstGeom prst="straightConnector1">
-                <a:avLst/>
-              </a:prstGeom>
-              <a:ln w="28575">
-                <a:solidFill>
-                  <a:srgbClr val="FFC000"/>
-                </a:solidFill>
-                <a:prstDash val="dash"/>
-                <a:tailEnd type="triangle"/>
-              </a:ln>
-            </p:spPr>
-            <p:style>
-              <a:lnRef idx="1">
-                <a:schemeClr val="accent1"/>
-              </a:lnRef>
-              <a:fillRef idx="0">
-                <a:schemeClr val="accent1"/>
-              </a:fillRef>
-              <a:effectRef idx="0">
-                <a:schemeClr val="accent1"/>
-              </a:effectRef>
-              <a:fontRef idx="minor">
-                <a:schemeClr val="tx1"/>
-              </a:fontRef>
-            </p:style>
-          </p:cxnSp>
-          <p:sp>
-            <p:nvSpPr>
-              <p:cNvPr id="57" name="TextBox 56">
-                <a:extLst>
-                  <a:ext uri="{FF2B5EF4-FFF2-40B4-BE49-F238E27FC236}">
-                    <a16:creationId xmlns:a16="http://schemas.microsoft.com/office/drawing/2014/main" id="{41A8CF88-4A30-4B5E-9546-EC5BE390CFF2}"/>
-                  </a:ext>
-                </a:extLst>
-              </p:cNvPr>
-              <p:cNvSpPr txBox="1"/>
-              <p:nvPr/>
-            </p:nvSpPr>
-            <p:spPr>
-              <a:xfrm>
-                <a:off x="5516874" y="4863373"/>
-                <a:ext cx="2837893" cy="369332"/>
-              </a:xfrm>
-              <a:prstGeom prst="rect">
-                <a:avLst/>
-              </a:prstGeom>
-              <a:noFill/>
-            </p:spPr>
-            <p:txBody>
-              <a:bodyPr wrap="none" rtlCol="0">
-                <a:spAutoFit/>
-              </a:bodyPr>
-              <a:lstStyle/>
-              <a:p>
-                <a:r>
-                  <a:rPr lang="en-SG" dirty="0">
-                    <a:solidFill>
-                      <a:schemeClr val="accent2"/>
-                    </a:solidFill>
-                  </a:rPr>
-                  <a:t>saveApplication(application)</a:t>
-                </a:r>
-              </a:p>
-            </p:txBody>
-          </p:sp>
-          <p:sp>
-            <p:nvSpPr>
-              <p:cNvPr id="60" name="Rectangle 59">
-                <a:extLst>
-                  <a:ext uri="{FF2B5EF4-FFF2-40B4-BE49-F238E27FC236}">
-                    <a16:creationId xmlns:a16="http://schemas.microsoft.com/office/drawing/2014/main" id="{0EE12DEB-8AFE-4446-9D3B-9CCF107869C8}"/>
-                  </a:ext>
-                </a:extLst>
-              </p:cNvPr>
-              <p:cNvSpPr/>
-              <p:nvPr/>
-            </p:nvSpPr>
-            <p:spPr>
-              <a:xfrm>
-                <a:off x="9471717" y="3945563"/>
-                <a:ext cx="129600" cy="898040"/>
-              </a:xfrm>
-              <a:prstGeom prst="rect">
-                <a:avLst/>
-              </a:prstGeom>
+            </a:ln>
+          </p:spPr>
+          <p:style>
+            <a:lnRef idx="2">
+              <a:schemeClr val="accent1">
+                <a:shade val="50000"/>
+              </a:schemeClr>
+            </a:lnRef>
+            <a:fillRef idx="1">
+              <a:schemeClr val="accent1"/>
+            </a:fillRef>
+            <a:effectRef idx="0">
+              <a:schemeClr val="accent1"/>
+            </a:effectRef>
+            <a:fontRef idx="minor">
+              <a:schemeClr val="lt1"/>
+            </a:fontRef>
+          </p:style>
+          <p:txBody>
+            <a:bodyPr rtlCol="0" anchor="ctr"/>
+            <a:lstStyle/>
+            <a:p>
+              <a:pPr algn="ctr"/>
+              <a:endParaRPr lang="en-SG"/>
+            </a:p>
+          </p:txBody>
+        </p:sp>
+        <p:cxnSp>
+          <p:nvCxnSpPr>
+            <p:cNvPr id="46" name="Straight Connector 45">
+              <a:extLst>
+                <a:ext uri="{FF2B5EF4-FFF2-40B4-BE49-F238E27FC236}">
+                  <a16:creationId xmlns:a16="http://schemas.microsoft.com/office/drawing/2014/main" id="{3A72A2C0-E938-488D-96B4-57CC943ED8A2}"/>
+                </a:ext>
+              </a:extLst>
+            </p:cNvPr>
+            <p:cNvCxnSpPr>
+              <a:cxnSpLocks/>
+            </p:cNvCxnSpPr>
+            <p:nvPr/>
+          </p:nvCxnSpPr>
+          <p:spPr>
+            <a:xfrm>
+              <a:off x="8292838" y="2030307"/>
+              <a:ext cx="0" cy="690603"/>
+            </a:xfrm>
+            <a:prstGeom prst="line">
+              <a:avLst/>
+            </a:prstGeom>
+            <a:ln w="28575">
+              <a:solidFill>
+                <a:srgbClr val="CC66FF"/>
+              </a:solidFill>
+              <a:prstDash val="dash"/>
+            </a:ln>
+          </p:spPr>
+          <p:style>
+            <a:lnRef idx="1">
+              <a:schemeClr val="accent1"/>
+            </a:lnRef>
+            <a:fillRef idx="0">
+              <a:schemeClr val="accent1"/>
+            </a:fillRef>
+            <a:effectRef idx="0">
+              <a:schemeClr val="accent1"/>
+            </a:effectRef>
+            <a:fontRef idx="minor">
+              <a:schemeClr val="tx1"/>
+            </a:fontRef>
+          </p:style>
+        </p:cxnSp>
+        <p:sp>
+          <p:nvSpPr>
+            <p:cNvPr id="48" name="Rectangle 47">
+              <a:extLst>
+                <a:ext uri="{FF2B5EF4-FFF2-40B4-BE49-F238E27FC236}">
+                  <a16:creationId xmlns:a16="http://schemas.microsoft.com/office/drawing/2014/main" id="{C76CB26E-1882-45AD-8B26-4E36F5E99049}"/>
+                </a:ext>
+              </a:extLst>
+            </p:cNvPr>
+            <p:cNvSpPr/>
+            <p:nvPr/>
+          </p:nvSpPr>
+          <p:spPr>
+            <a:xfrm>
+              <a:off x="7761256" y="1650170"/>
+              <a:ext cx="1023658" cy="314510"/>
+            </a:xfrm>
+            <a:prstGeom prst="rect">
+              <a:avLst/>
+            </a:prstGeom>
+            <a:solidFill>
+              <a:srgbClr val="CC66FF"/>
+            </a:solidFill>
+            <a:ln>
+              <a:solidFill>
+                <a:srgbClr val="CC66FF"/>
+              </a:solidFill>
+            </a:ln>
+          </p:spPr>
+          <p:style>
+            <a:lnRef idx="2">
+              <a:schemeClr val="accent1">
+                <a:shade val="50000"/>
+              </a:schemeClr>
+            </a:lnRef>
+            <a:fillRef idx="1">
+              <a:schemeClr val="accent1"/>
+            </a:fillRef>
+            <a:effectRef idx="0">
+              <a:schemeClr val="accent1"/>
+            </a:effectRef>
+            <a:fontRef idx="minor">
+              <a:schemeClr val="lt1"/>
+            </a:fontRef>
+          </p:style>
+          <p:txBody>
+            <a:bodyPr rtlCol="0" anchor="ctr"/>
+            <a:lstStyle/>
+            <a:p>
+              <a:pPr algn="ctr"/>
+              <a:r>
+                <a:rPr lang="en-SG" dirty="0"/>
+                <a:t>:Model</a:t>
+              </a:r>
+            </a:p>
+          </p:txBody>
+        </p:sp>
+        <p:cxnSp>
+          <p:nvCxnSpPr>
+            <p:cNvPr id="49" name="Straight Connector 48">
+              <a:extLst>
+                <a:ext uri="{FF2B5EF4-FFF2-40B4-BE49-F238E27FC236}">
+                  <a16:creationId xmlns:a16="http://schemas.microsoft.com/office/drawing/2014/main" id="{6BB54178-13C3-4E66-8149-DCFC17486B9F}"/>
+                </a:ext>
+              </a:extLst>
+            </p:cNvPr>
+            <p:cNvCxnSpPr>
+              <a:cxnSpLocks/>
+            </p:cNvCxnSpPr>
+            <p:nvPr/>
+          </p:nvCxnSpPr>
+          <p:spPr>
+            <a:xfrm>
+              <a:off x="8289952" y="3064692"/>
+              <a:ext cx="0" cy="2484990"/>
+            </a:xfrm>
+            <a:prstGeom prst="line">
+              <a:avLst/>
+            </a:prstGeom>
+            <a:ln w="28575">
+              <a:solidFill>
+                <a:srgbClr val="CC66FF"/>
+              </a:solidFill>
+              <a:prstDash val="dash"/>
+            </a:ln>
+          </p:spPr>
+          <p:style>
+            <a:lnRef idx="1">
+              <a:schemeClr val="accent1"/>
+            </a:lnRef>
+            <a:fillRef idx="0">
+              <a:schemeClr val="accent1"/>
+            </a:fillRef>
+            <a:effectRef idx="0">
+              <a:schemeClr val="accent1"/>
+            </a:effectRef>
+            <a:fontRef idx="minor">
+              <a:schemeClr val="tx1"/>
+            </a:fontRef>
+          </p:style>
+        </p:cxnSp>
+        <p:cxnSp>
+          <p:nvCxnSpPr>
+            <p:cNvPr id="51" name="Straight Arrow Connector 50">
+              <a:extLst>
+                <a:ext uri="{FF2B5EF4-FFF2-40B4-BE49-F238E27FC236}">
+                  <a16:creationId xmlns:a16="http://schemas.microsoft.com/office/drawing/2014/main" id="{8A9ECE2F-C2B8-4A86-8D1F-D796E5151BF6}"/>
+                </a:ext>
+              </a:extLst>
+            </p:cNvPr>
+            <p:cNvCxnSpPr>
+              <a:cxnSpLocks/>
+            </p:cNvCxnSpPr>
+            <p:nvPr/>
+          </p:nvCxnSpPr>
+          <p:spPr>
+            <a:xfrm>
+              <a:off x="5477199" y="3967277"/>
+              <a:ext cx="4029658" cy="0"/>
+            </a:xfrm>
+            <a:prstGeom prst="straightConnector1">
+              <a:avLst/>
+            </a:prstGeom>
+            <a:ln w="28575">
+              <a:solidFill>
+                <a:srgbClr val="00B0F0"/>
+              </a:solidFill>
+              <a:tailEnd type="triangle"/>
+            </a:ln>
+          </p:spPr>
+          <p:style>
+            <a:lnRef idx="1">
+              <a:schemeClr val="accent1"/>
+            </a:lnRef>
+            <a:fillRef idx="0">
+              <a:schemeClr val="accent1"/>
+            </a:fillRef>
+            <a:effectRef idx="0">
+              <a:schemeClr val="accent1"/>
+            </a:effectRef>
+            <a:fontRef idx="minor">
+              <a:schemeClr val="tx1"/>
+            </a:fontRef>
+          </p:style>
+        </p:cxnSp>
+        <p:cxnSp>
+          <p:nvCxnSpPr>
+            <p:cNvPr id="55" name="Straight Arrow Connector 54">
+              <a:extLst>
+                <a:ext uri="{FF2B5EF4-FFF2-40B4-BE49-F238E27FC236}">
+                  <a16:creationId xmlns:a16="http://schemas.microsoft.com/office/drawing/2014/main" id="{A36D47B7-BEF9-4916-8DF6-E2DE04397672}"/>
+                </a:ext>
+              </a:extLst>
+            </p:cNvPr>
+            <p:cNvCxnSpPr>
+              <a:cxnSpLocks/>
+            </p:cNvCxnSpPr>
+            <p:nvPr/>
+          </p:nvCxnSpPr>
+          <p:spPr>
+            <a:xfrm flipH="1">
+              <a:off x="5477199" y="4859906"/>
+              <a:ext cx="4029658" cy="0"/>
+            </a:xfrm>
+            <a:prstGeom prst="straightConnector1">
+              <a:avLst/>
+            </a:prstGeom>
+            <a:ln w="28575">
               <a:solidFill>
                 <a:srgbClr val="FFC000"/>
               </a:solidFill>
-              <a:ln>
-                <a:solidFill>
-                  <a:srgbClr val="FFC000"/>
-                </a:solidFill>
-              </a:ln>
-            </p:spPr>
-            <p:style>
-              <a:lnRef idx="2">
-                <a:schemeClr val="accent1">
-                  <a:shade val="50000"/>
-                </a:schemeClr>
-              </a:lnRef>
-              <a:fillRef idx="1">
-                <a:schemeClr val="accent1"/>
-              </a:fillRef>
-              <a:effectRef idx="0">
-                <a:schemeClr val="accent1"/>
-              </a:effectRef>
-              <a:fontRef idx="minor">
-                <a:schemeClr val="lt1"/>
-              </a:fontRef>
-            </p:style>
-            <p:txBody>
-              <a:bodyPr rtlCol="0" anchor="ctr"/>
-              <a:lstStyle/>
-              <a:p>
-                <a:pPr algn="ctr"/>
-                <a:endParaRPr lang="en-SG"/>
-              </a:p>
-            </p:txBody>
-          </p:sp>
-          <p:sp>
-            <p:nvSpPr>
-              <p:cNvPr id="61" name="Rectangle 60">
-                <a:extLst>
-                  <a:ext uri="{FF2B5EF4-FFF2-40B4-BE49-F238E27FC236}">
-                    <a16:creationId xmlns:a16="http://schemas.microsoft.com/office/drawing/2014/main" id="{D9020875-2FB9-47E9-A6F4-D2A5514E85A2}"/>
-                  </a:ext>
-                </a:extLst>
-              </p:cNvPr>
-              <p:cNvSpPr/>
-              <p:nvPr/>
-            </p:nvSpPr>
-            <p:spPr>
-              <a:xfrm>
-                <a:off x="9601317" y="4307187"/>
-                <a:ext cx="129600" cy="437217"/>
-              </a:xfrm>
-              <a:prstGeom prst="rect">
-                <a:avLst/>
-              </a:prstGeom>
+              <a:prstDash val="dash"/>
+              <a:tailEnd type="triangle"/>
+            </a:ln>
+          </p:spPr>
+          <p:style>
+            <a:lnRef idx="1">
+              <a:schemeClr val="accent1"/>
+            </a:lnRef>
+            <a:fillRef idx="0">
+              <a:schemeClr val="accent1"/>
+            </a:fillRef>
+            <a:effectRef idx="0">
+              <a:schemeClr val="accent1"/>
+            </a:effectRef>
+            <a:fontRef idx="minor">
+              <a:schemeClr val="tx1"/>
+            </a:fontRef>
+          </p:style>
+        </p:cxnSp>
+        <p:sp>
+          <p:nvSpPr>
+            <p:cNvPr id="57" name="TextBox 56">
+              <a:extLst>
+                <a:ext uri="{FF2B5EF4-FFF2-40B4-BE49-F238E27FC236}">
+                  <a16:creationId xmlns:a16="http://schemas.microsoft.com/office/drawing/2014/main" id="{41A8CF88-4A30-4B5E-9546-EC5BE390CFF2}"/>
+                </a:ext>
+              </a:extLst>
+            </p:cNvPr>
+            <p:cNvSpPr txBox="1"/>
+            <p:nvPr/>
+          </p:nvSpPr>
+          <p:spPr>
+            <a:xfrm>
+              <a:off x="5496619" y="3974985"/>
+              <a:ext cx="2837893" cy="369332"/>
+            </a:xfrm>
+            <a:prstGeom prst="rect">
+              <a:avLst/>
+            </a:prstGeom>
+            <a:noFill/>
+          </p:spPr>
+          <p:txBody>
+            <a:bodyPr wrap="none" rtlCol="0">
+              <a:spAutoFit/>
+            </a:bodyPr>
+            <a:lstStyle/>
+            <a:p>
+              <a:r>
+                <a:rPr lang="en-SG" dirty="0">
+                  <a:solidFill>
+                    <a:schemeClr val="accent2"/>
+                  </a:solidFill>
+                </a:rPr>
+                <a:t>saveApplication(application)</a:t>
+              </a:r>
+            </a:p>
+          </p:txBody>
+        </p:sp>
+        <p:sp>
+          <p:nvSpPr>
+            <p:cNvPr id="60" name="Rectangle 59">
+              <a:extLst>
+                <a:ext uri="{FF2B5EF4-FFF2-40B4-BE49-F238E27FC236}">
+                  <a16:creationId xmlns:a16="http://schemas.microsoft.com/office/drawing/2014/main" id="{0EE12DEB-8AFE-4446-9D3B-9CCF107869C8}"/>
+                </a:ext>
+              </a:extLst>
+            </p:cNvPr>
+            <p:cNvSpPr/>
+            <p:nvPr/>
+          </p:nvSpPr>
+          <p:spPr>
+            <a:xfrm>
+              <a:off x="9471717" y="3945563"/>
+              <a:ext cx="129600" cy="898040"/>
+            </a:xfrm>
+            <a:prstGeom prst="rect">
+              <a:avLst/>
+            </a:prstGeom>
+            <a:solidFill>
+              <a:srgbClr val="FFC000"/>
+            </a:solidFill>
+            <a:ln>
               <a:solidFill>
                 <a:srgbClr val="FFC000"/>
               </a:solidFill>
-              <a:ln>
-                <a:solidFill>
-                  <a:schemeClr val="bg1"/>
-                </a:solidFill>
-              </a:ln>
-            </p:spPr>
-            <p:style>
-              <a:lnRef idx="2">
-                <a:schemeClr val="accent1">
-                  <a:shade val="50000"/>
-                </a:schemeClr>
-              </a:lnRef>
-              <a:fillRef idx="1">
-                <a:schemeClr val="accent1"/>
-              </a:fillRef>
-              <a:effectRef idx="0">
-                <a:schemeClr val="accent1"/>
-              </a:effectRef>
-              <a:fontRef idx="minor">
-                <a:schemeClr val="lt1"/>
-              </a:fontRef>
-            </p:style>
-            <p:txBody>
-              <a:bodyPr rtlCol="0" anchor="ctr"/>
-              <a:lstStyle/>
-              <a:p>
-                <a:pPr algn="ctr"/>
-                <a:endParaRPr lang="en-SG"/>
-              </a:p>
-            </p:txBody>
-          </p:sp>
-          <p:cxnSp>
-            <p:nvCxnSpPr>
-              <p:cNvPr id="1040" name="Straight Connector 1039">
-                <a:extLst>
-                  <a:ext uri="{FF2B5EF4-FFF2-40B4-BE49-F238E27FC236}">
-                    <a16:creationId xmlns:a16="http://schemas.microsoft.com/office/drawing/2014/main" id="{BFC01B1B-8249-4B61-A27C-40322F24AD39}"/>
-                  </a:ext>
-                </a:extLst>
-              </p:cNvPr>
-              <p:cNvCxnSpPr/>
-              <p:nvPr/>
-            </p:nvCxnSpPr>
-            <p:spPr>
-              <a:xfrm>
-                <a:off x="9601317" y="4057650"/>
-                <a:ext cx="272933" cy="0"/>
-              </a:xfrm>
-              <a:prstGeom prst="line">
-                <a:avLst/>
-              </a:prstGeom>
-              <a:ln w="19050">
-                <a:solidFill>
-                  <a:srgbClr val="FFC000"/>
-                </a:solidFill>
-              </a:ln>
-            </p:spPr>
-            <p:style>
-              <a:lnRef idx="1">
-                <a:schemeClr val="accent2"/>
-              </a:lnRef>
-              <a:fillRef idx="0">
-                <a:schemeClr val="accent2"/>
-              </a:fillRef>
-              <a:effectRef idx="0">
-                <a:schemeClr val="accent2"/>
-              </a:effectRef>
-              <a:fontRef idx="minor">
-                <a:schemeClr val="tx1"/>
-              </a:fontRef>
-            </p:style>
-          </p:cxnSp>
-          <p:cxnSp>
-            <p:nvCxnSpPr>
-              <p:cNvPr id="64" name="Straight Connector 63">
-                <a:extLst>
-                  <a:ext uri="{FF2B5EF4-FFF2-40B4-BE49-F238E27FC236}">
-                    <a16:creationId xmlns:a16="http://schemas.microsoft.com/office/drawing/2014/main" id="{2B327664-1C74-4CCD-89F9-E5179295CC5A}"/>
-                  </a:ext>
-                </a:extLst>
-              </p:cNvPr>
-              <p:cNvCxnSpPr>
-                <a:cxnSpLocks/>
-              </p:cNvCxnSpPr>
-              <p:nvPr/>
-            </p:nvCxnSpPr>
-            <p:spPr>
-              <a:xfrm>
-                <a:off x="9874250" y="4057650"/>
-                <a:ext cx="0" cy="152400"/>
-              </a:xfrm>
-              <a:prstGeom prst="line">
-                <a:avLst/>
-              </a:prstGeom>
-              <a:ln w="19050">
-                <a:solidFill>
-                  <a:srgbClr val="FFC000"/>
-                </a:solidFill>
-              </a:ln>
-            </p:spPr>
-            <p:style>
-              <a:lnRef idx="1">
-                <a:schemeClr val="accent2"/>
-              </a:lnRef>
-              <a:fillRef idx="0">
-                <a:schemeClr val="accent2"/>
-              </a:fillRef>
-              <a:effectRef idx="0">
-                <a:schemeClr val="accent2"/>
-              </a:effectRef>
-              <a:fontRef idx="minor">
-                <a:schemeClr val="tx1"/>
-              </a:fontRef>
-            </p:style>
-          </p:cxnSp>
-          <p:cxnSp>
-            <p:nvCxnSpPr>
-              <p:cNvPr id="1043" name="Straight Arrow Connector 1042">
-                <a:extLst>
-                  <a:ext uri="{FF2B5EF4-FFF2-40B4-BE49-F238E27FC236}">
-                    <a16:creationId xmlns:a16="http://schemas.microsoft.com/office/drawing/2014/main" id="{0AAF621C-63B8-4A3D-A281-526D2ACE58C3}"/>
-                  </a:ext>
-                </a:extLst>
-              </p:cNvPr>
-              <p:cNvCxnSpPr>
-                <a:cxnSpLocks/>
-              </p:cNvCxnSpPr>
-              <p:nvPr/>
-            </p:nvCxnSpPr>
-            <p:spPr>
-              <a:xfrm flipH="1">
-                <a:off x="9737784" y="4210050"/>
-                <a:ext cx="136466" cy="97137"/>
-              </a:xfrm>
-              <a:prstGeom prst="straightConnector1">
-                <a:avLst/>
-              </a:prstGeom>
-              <a:ln w="19050">
-                <a:solidFill>
-                  <a:srgbClr val="FFC000"/>
-                </a:solidFill>
-                <a:tailEnd type="triangle"/>
-              </a:ln>
-            </p:spPr>
-            <p:style>
-              <a:lnRef idx="1">
-                <a:schemeClr val="accent2"/>
-              </a:lnRef>
-              <a:fillRef idx="0">
-                <a:schemeClr val="accent2"/>
-              </a:fillRef>
-              <a:effectRef idx="0">
-                <a:schemeClr val="accent2"/>
-              </a:effectRef>
-              <a:fontRef idx="minor">
-                <a:schemeClr val="tx1"/>
-              </a:fontRef>
-            </p:style>
-          </p:cxnSp>
-          <p:sp>
-            <p:nvSpPr>
-              <p:cNvPr id="69" name="TextBox 68">
-                <a:extLst>
-                  <a:ext uri="{FF2B5EF4-FFF2-40B4-BE49-F238E27FC236}">
-                    <a16:creationId xmlns:a16="http://schemas.microsoft.com/office/drawing/2014/main" id="{56883524-1ADD-4D66-999E-8FC2ED21D3B5}"/>
-                  </a:ext>
-                </a:extLst>
-              </p:cNvPr>
-              <p:cNvSpPr txBox="1"/>
-              <p:nvPr/>
-            </p:nvSpPr>
-            <p:spPr>
-              <a:xfrm>
-                <a:off x="9775999" y="4210050"/>
-                <a:ext cx="1208664" cy="369332"/>
-              </a:xfrm>
-              <a:prstGeom prst="rect">
-                <a:avLst/>
-              </a:prstGeom>
-              <a:noFill/>
-            </p:spPr>
-            <p:txBody>
-              <a:bodyPr wrap="none" rtlCol="0">
-                <a:spAutoFit/>
-              </a:bodyPr>
-              <a:lstStyle/>
-              <a:p>
-                <a:r>
-                  <a:rPr lang="en-SG" dirty="0">
-                    <a:solidFill>
-                      <a:schemeClr val="accent2"/>
-                    </a:solidFill>
-                  </a:rPr>
-                  <a:t>Save to file</a:t>
-                </a:r>
-              </a:p>
-            </p:txBody>
-          </p:sp>
-        </p:grpSp>
+            </a:ln>
+          </p:spPr>
+          <p:style>
+            <a:lnRef idx="2">
+              <a:schemeClr val="accent1">
+                <a:shade val="50000"/>
+              </a:schemeClr>
+            </a:lnRef>
+            <a:fillRef idx="1">
+              <a:schemeClr val="accent1"/>
+            </a:fillRef>
+            <a:effectRef idx="0">
+              <a:schemeClr val="accent1"/>
+            </a:effectRef>
+            <a:fontRef idx="minor">
+              <a:schemeClr val="lt1"/>
+            </a:fontRef>
+          </p:style>
+          <p:txBody>
+            <a:bodyPr rtlCol="0" anchor="ctr"/>
+            <a:lstStyle/>
+            <a:p>
+              <a:pPr algn="ctr"/>
+              <a:endParaRPr lang="en-SG"/>
+            </a:p>
+          </p:txBody>
+        </p:sp>
+        <p:sp>
+          <p:nvSpPr>
+            <p:cNvPr id="61" name="Rectangle 60">
+              <a:extLst>
+                <a:ext uri="{FF2B5EF4-FFF2-40B4-BE49-F238E27FC236}">
+                  <a16:creationId xmlns:a16="http://schemas.microsoft.com/office/drawing/2014/main" id="{D9020875-2FB9-47E9-A6F4-D2A5514E85A2}"/>
+                </a:ext>
+              </a:extLst>
+            </p:cNvPr>
+            <p:cNvSpPr/>
+            <p:nvPr/>
+          </p:nvSpPr>
+          <p:spPr>
+            <a:xfrm>
+              <a:off x="9601317" y="4307187"/>
+              <a:ext cx="129600" cy="437217"/>
+            </a:xfrm>
+            <a:prstGeom prst="rect">
+              <a:avLst/>
+            </a:prstGeom>
+            <a:solidFill>
+              <a:srgbClr val="FFC000"/>
+            </a:solidFill>
+            <a:ln>
+              <a:solidFill>
+                <a:schemeClr val="bg1"/>
+              </a:solidFill>
+            </a:ln>
+          </p:spPr>
+          <p:style>
+            <a:lnRef idx="2">
+              <a:schemeClr val="accent1">
+                <a:shade val="50000"/>
+              </a:schemeClr>
+            </a:lnRef>
+            <a:fillRef idx="1">
+              <a:schemeClr val="accent1"/>
+            </a:fillRef>
+            <a:effectRef idx="0">
+              <a:schemeClr val="accent1"/>
+            </a:effectRef>
+            <a:fontRef idx="minor">
+              <a:schemeClr val="lt1"/>
+            </a:fontRef>
+          </p:style>
+          <p:txBody>
+            <a:bodyPr rtlCol="0" anchor="ctr"/>
+            <a:lstStyle/>
+            <a:p>
+              <a:pPr algn="ctr"/>
+              <a:endParaRPr lang="en-SG"/>
+            </a:p>
+          </p:txBody>
+        </p:sp>
+        <p:cxnSp>
+          <p:nvCxnSpPr>
+            <p:cNvPr id="1040" name="Straight Connector 1039">
+              <a:extLst>
+                <a:ext uri="{FF2B5EF4-FFF2-40B4-BE49-F238E27FC236}">
+                  <a16:creationId xmlns:a16="http://schemas.microsoft.com/office/drawing/2014/main" id="{BFC01B1B-8249-4B61-A27C-40322F24AD39}"/>
+                </a:ext>
+              </a:extLst>
+            </p:cNvPr>
+            <p:cNvCxnSpPr/>
+            <p:nvPr/>
+          </p:nvCxnSpPr>
+          <p:spPr>
+            <a:xfrm>
+              <a:off x="9601317" y="4057650"/>
+              <a:ext cx="272933" cy="0"/>
+            </a:xfrm>
+            <a:prstGeom prst="line">
+              <a:avLst/>
+            </a:prstGeom>
+            <a:ln w="19050">
+              <a:solidFill>
+                <a:srgbClr val="FFC000"/>
+              </a:solidFill>
+            </a:ln>
+          </p:spPr>
+          <p:style>
+            <a:lnRef idx="1">
+              <a:schemeClr val="accent2"/>
+            </a:lnRef>
+            <a:fillRef idx="0">
+              <a:schemeClr val="accent2"/>
+            </a:fillRef>
+            <a:effectRef idx="0">
+              <a:schemeClr val="accent2"/>
+            </a:effectRef>
+            <a:fontRef idx="minor">
+              <a:schemeClr val="tx1"/>
+            </a:fontRef>
+          </p:style>
+        </p:cxnSp>
+        <p:cxnSp>
+          <p:nvCxnSpPr>
+            <p:cNvPr id="64" name="Straight Connector 63">
+              <a:extLst>
+                <a:ext uri="{FF2B5EF4-FFF2-40B4-BE49-F238E27FC236}">
+                  <a16:creationId xmlns:a16="http://schemas.microsoft.com/office/drawing/2014/main" id="{2B327664-1C74-4CCD-89F9-E5179295CC5A}"/>
+                </a:ext>
+              </a:extLst>
+            </p:cNvPr>
+            <p:cNvCxnSpPr>
+              <a:cxnSpLocks/>
+            </p:cNvCxnSpPr>
+            <p:nvPr/>
+          </p:nvCxnSpPr>
+          <p:spPr>
+            <a:xfrm>
+              <a:off x="9874250" y="4057650"/>
+              <a:ext cx="0" cy="152400"/>
+            </a:xfrm>
+            <a:prstGeom prst="line">
+              <a:avLst/>
+            </a:prstGeom>
+            <a:ln w="19050">
+              <a:solidFill>
+                <a:srgbClr val="FFC000"/>
+              </a:solidFill>
+            </a:ln>
+          </p:spPr>
+          <p:style>
+            <a:lnRef idx="1">
+              <a:schemeClr val="accent2"/>
+            </a:lnRef>
+            <a:fillRef idx="0">
+              <a:schemeClr val="accent2"/>
+            </a:fillRef>
+            <a:effectRef idx="0">
+              <a:schemeClr val="accent2"/>
+            </a:effectRef>
+            <a:fontRef idx="minor">
+              <a:schemeClr val="tx1"/>
+            </a:fontRef>
+          </p:style>
+        </p:cxnSp>
+        <p:cxnSp>
+          <p:nvCxnSpPr>
+            <p:cNvPr id="1043" name="Straight Arrow Connector 1042">
+              <a:extLst>
+                <a:ext uri="{FF2B5EF4-FFF2-40B4-BE49-F238E27FC236}">
+                  <a16:creationId xmlns:a16="http://schemas.microsoft.com/office/drawing/2014/main" id="{0AAF621C-63B8-4A3D-A281-526D2ACE58C3}"/>
+                </a:ext>
+              </a:extLst>
+            </p:cNvPr>
+            <p:cNvCxnSpPr>
+              <a:cxnSpLocks/>
+            </p:cNvCxnSpPr>
+            <p:nvPr/>
+          </p:nvCxnSpPr>
+          <p:spPr>
+            <a:xfrm flipH="1">
+              <a:off x="9737784" y="4210050"/>
+              <a:ext cx="136466" cy="97137"/>
+            </a:xfrm>
+            <a:prstGeom prst="straightConnector1">
+              <a:avLst/>
+            </a:prstGeom>
+            <a:ln w="19050">
+              <a:solidFill>
+                <a:srgbClr val="FFC000"/>
+              </a:solidFill>
+              <a:tailEnd type="triangle"/>
+            </a:ln>
+          </p:spPr>
+          <p:style>
+            <a:lnRef idx="1">
+              <a:schemeClr val="accent2"/>
+            </a:lnRef>
+            <a:fillRef idx="0">
+              <a:schemeClr val="accent2"/>
+            </a:fillRef>
+            <a:effectRef idx="0">
+              <a:schemeClr val="accent2"/>
+            </a:effectRef>
+            <a:fontRef idx="minor">
+              <a:schemeClr val="tx1"/>
+            </a:fontRef>
+          </p:style>
+        </p:cxnSp>
+        <p:sp>
+          <p:nvSpPr>
+            <p:cNvPr id="69" name="TextBox 68">
+              <a:extLst>
+                <a:ext uri="{FF2B5EF4-FFF2-40B4-BE49-F238E27FC236}">
+                  <a16:creationId xmlns:a16="http://schemas.microsoft.com/office/drawing/2014/main" id="{56883524-1ADD-4D66-999E-8FC2ED21D3B5}"/>
+                </a:ext>
+              </a:extLst>
+            </p:cNvPr>
+            <p:cNvSpPr txBox="1"/>
+            <p:nvPr/>
+          </p:nvSpPr>
+          <p:spPr>
+            <a:xfrm>
+              <a:off x="9775999" y="4210050"/>
+              <a:ext cx="1208664" cy="369332"/>
+            </a:xfrm>
+            <a:prstGeom prst="rect">
+              <a:avLst/>
+            </a:prstGeom>
+            <a:noFill/>
+          </p:spPr>
+          <p:txBody>
+            <a:bodyPr wrap="none" rtlCol="0">
+              <a:spAutoFit/>
+            </a:bodyPr>
+            <a:lstStyle/>
+            <a:p>
+              <a:r>
+                <a:rPr lang="en-SG" dirty="0">
+                  <a:solidFill>
+                    <a:schemeClr val="accent2"/>
+                  </a:solidFill>
+                </a:rPr>
+                <a:t>Save to file</a:t>
+              </a:r>
+            </a:p>
+          </p:txBody>
+        </p:sp>
+        <p:sp>
+          <p:nvSpPr>
+            <p:cNvPr id="36" name="Rectangle 35">
+              <a:extLst>
+                <a:ext uri="{FF2B5EF4-FFF2-40B4-BE49-F238E27FC236}">
+                  <a16:creationId xmlns:a16="http://schemas.microsoft.com/office/drawing/2014/main" id="{9CCD0FED-CE3E-4C98-BFDB-AB8F178542EA}"/>
+                </a:ext>
+              </a:extLst>
+            </p:cNvPr>
+            <p:cNvSpPr/>
+            <p:nvPr/>
+          </p:nvSpPr>
+          <p:spPr>
+            <a:xfrm>
+              <a:off x="9024688" y="1657878"/>
+              <a:ext cx="1023658" cy="314510"/>
+            </a:xfrm>
+            <a:prstGeom prst="rect">
+              <a:avLst/>
+            </a:prstGeom>
+            <a:solidFill>
+              <a:srgbClr val="FFC000"/>
+            </a:solidFill>
+            <a:ln>
+              <a:solidFill>
+                <a:srgbClr val="FFC000"/>
+              </a:solidFill>
+            </a:ln>
+          </p:spPr>
+          <p:style>
+            <a:lnRef idx="2">
+              <a:schemeClr val="accent1">
+                <a:shade val="50000"/>
+              </a:schemeClr>
+            </a:lnRef>
+            <a:fillRef idx="1">
+              <a:schemeClr val="accent1"/>
+            </a:fillRef>
+            <a:effectRef idx="0">
+              <a:schemeClr val="accent1"/>
+            </a:effectRef>
+            <a:fontRef idx="minor">
+              <a:schemeClr val="lt1"/>
+            </a:fontRef>
+          </p:style>
+          <p:txBody>
+            <a:bodyPr rtlCol="0" anchor="ctr"/>
+            <a:lstStyle/>
+            <a:p>
+              <a:pPr algn="ctr"/>
+              <a:r>
+                <a:rPr lang="en-SG" dirty="0"/>
+                <a:t>:Storage</a:t>
+              </a:r>
+            </a:p>
+          </p:txBody>
+        </p:sp>
+        <p:cxnSp>
+          <p:nvCxnSpPr>
+            <p:cNvPr id="37" name="Straight Connector 36">
+              <a:extLst>
+                <a:ext uri="{FF2B5EF4-FFF2-40B4-BE49-F238E27FC236}">
+                  <a16:creationId xmlns:a16="http://schemas.microsoft.com/office/drawing/2014/main" id="{E478C7F5-4525-4303-8FE3-1C2882127B19}"/>
+                </a:ext>
+              </a:extLst>
+            </p:cNvPr>
+            <p:cNvCxnSpPr>
+              <a:cxnSpLocks/>
+            </p:cNvCxnSpPr>
+            <p:nvPr/>
+          </p:nvCxnSpPr>
+          <p:spPr>
+            <a:xfrm flipH="1">
+              <a:off x="9519739" y="1972388"/>
+              <a:ext cx="16778" cy="3577294"/>
+            </a:xfrm>
+            <a:prstGeom prst="line">
+              <a:avLst/>
+            </a:prstGeom>
+            <a:ln w="28575">
+              <a:solidFill>
+                <a:srgbClr val="FFC000"/>
+              </a:solidFill>
+              <a:prstDash val="dash"/>
+            </a:ln>
+          </p:spPr>
+          <p:style>
+            <a:lnRef idx="1">
+              <a:schemeClr val="accent1"/>
+            </a:lnRef>
+            <a:fillRef idx="0">
+              <a:schemeClr val="accent1"/>
+            </a:fillRef>
+            <a:effectRef idx="0">
+              <a:schemeClr val="accent1"/>
+            </a:effectRef>
+            <a:fontRef idx="minor">
+              <a:schemeClr val="tx1"/>
+            </a:fontRef>
+          </p:style>
+        </p:cxnSp>
       </p:grpSp>
     </p:spTree>
     <p:extLst>
